--- a/document/Cloud Native Demo.pptx
+++ b/document/Cloud Native Demo.pptx
@@ -127,6 +127,22 @@
       </a:defRPr>
     </a:lvl9pPr>
   </p:defaultTextStyle>
+  <p:extLst>
+    <p:ext uri="{EFAFB233-063F-42B5-8137-9DF3F51BA10A}">
+      <p15:sldGuideLst xmlns:p15="http://schemas.microsoft.com/office/powerpoint/2012/main">
+        <p15:guide id="1" orient="horz" pos="1620">
+          <p15:clr>
+            <a:srgbClr val="A4A3A4"/>
+          </p15:clr>
+        </p15:guide>
+        <p15:guide id="2" pos="2880">
+          <p15:clr>
+            <a:srgbClr val="A4A3A4"/>
+          </p15:clr>
+        </p15:guide>
+      </p15:sldGuideLst>
+    </p:ext>
+  </p:extLst>
 </p:presentation>
 </file>
 
@@ -212,7 +228,7 @@
           <a:p>
             <a:fld id="{372E5B6B-8713-8747-AE5B-F1241B2BF5F0}" type="datetimeFigureOut">
               <a:rPr lang="en-US" smtClean="0"/>
-              <a:t>8/17/18</a:t>
+              <a:t>4/7/20</a:t>
             </a:fld>
             <a:endParaRPr lang="en-US"/>
           </a:p>
@@ -378,7 +394,7 @@
           <a:p>
             <a:fld id="{7E7B7340-DDD5-1B49-81AA-25BC4050C073}" type="datetimeFigureOut">
               <a:rPr lang="en-US" smtClean="0"/>
-              <a:t>8/17/18</a:t>
+              <a:t>4/7/20</a:t>
             </a:fld>
             <a:endParaRPr lang="en-US"/>
           </a:p>
@@ -442,38 +458,37 @@
           <a:p>
             <a:pPr lvl="0"/>
             <a:r>
-              <a:rPr lang="en-US" smtClean="0"/>
+              <a:rPr lang="en-US"/>
               <a:t>Click to edit Master text styles</a:t>
             </a:r>
           </a:p>
           <a:p>
             <a:pPr lvl="1"/>
             <a:r>
-              <a:rPr lang="en-US" smtClean="0"/>
+              <a:rPr lang="en-US"/>
               <a:t>Second level</a:t>
             </a:r>
           </a:p>
           <a:p>
             <a:pPr lvl="2"/>
             <a:r>
-              <a:rPr lang="en-US" smtClean="0"/>
+              <a:rPr lang="en-US"/>
               <a:t>Third level</a:t>
             </a:r>
           </a:p>
           <a:p>
             <a:pPr lvl="3"/>
             <a:r>
-              <a:rPr lang="en-US" smtClean="0"/>
+              <a:rPr lang="en-US"/>
               <a:t>Fourth level</a:t>
             </a:r>
           </a:p>
           <a:p>
             <a:pPr lvl="4"/>
             <a:r>
-              <a:rPr lang="en-US" smtClean="0"/>
+              <a:rPr lang="en-US"/>
               <a:t>Fifth level</a:t>
             </a:r>
-            <a:endParaRPr lang="en-US"/>
           </a:p>
         </p:txBody>
       </p:sp>
@@ -750,7 +765,7 @@
               </a:buClr>
             </a:pPr>
             <a:r>
-              <a:rPr lang="en-US" sz="1100" dirty="0" smtClean="0">
+              <a:rPr lang="en-US" sz="1100" dirty="0">
                 <a:solidFill>
                   <a:schemeClr val="dk1"/>
                 </a:solidFill>
@@ -815,11 +830,11 @@
           <a:lstStyle/>
           <a:p>
             <a:r>
-              <a:rPr lang="en-US" dirty="0" smtClean="0"/>
+              <a:rPr lang="en-US" dirty="0"/>
               <a:t>Now</a:t>
             </a:r>
             <a:r>
-              <a:rPr lang="en-US" baseline="0" dirty="0" smtClean="0"/>
+              <a:rPr lang="en-US" baseline="0" dirty="0"/>
               <a:t> let’s show you Cloud Foundry in action with a demonstration app. </a:t>
             </a:r>
             <a:endParaRPr dirty="0"/>
@@ -936,7 +951,7 @@
           <a:p>
             <a:pPr fontAlgn="base"/>
             <a:r>
-              <a:rPr lang="en-US" sz="1200" b="1" kern="1200" dirty="0" smtClean="0">
+              <a:rPr lang="en-US" sz="1200" b="1" kern="1200" dirty="0">
                 <a:solidFill>
                   <a:schemeClr val="tx1"/>
                 </a:solidFill>
@@ -947,7 +962,7 @@
               </a:rPr>
               <a:t>Degrading Functionality</a:t>
             </a:r>
-            <a:endParaRPr lang="en-US" sz="1200" kern="1200" dirty="0" smtClean="0">
+            <a:endParaRPr lang="en-US" sz="1200" kern="1200" dirty="0">
               <a:solidFill>
                 <a:schemeClr val="tx1"/>
               </a:solidFill>
@@ -960,7 +975,7 @@
           <a:p>
             <a:pPr fontAlgn="base"/>
             <a:r>
-              <a:rPr lang="en-US" sz="1200" kern="1200" dirty="0" smtClean="0">
+              <a:rPr lang="en-US" sz="1200" kern="1200" dirty="0">
                 <a:solidFill>
                   <a:schemeClr val="tx1"/>
                 </a:solidFill>
@@ -972,7 +987,7 @@
               <a:t>An essential part of building a resilient system, especially when your functionality is spread over a number of different </a:t>
             </a:r>
             <a:r>
-              <a:rPr lang="en-US" sz="1200" kern="1200" dirty="0" err="1" smtClean="0">
+              <a:rPr lang="en-US" sz="1200" kern="1200" dirty="0" err="1">
                 <a:solidFill>
                   <a:schemeClr val="tx1"/>
                 </a:solidFill>
@@ -984,7 +999,7 @@
               <a:t>microservices</a:t>
             </a:r>
             <a:r>
-              <a:rPr lang="en-US" sz="1200" kern="1200" dirty="0" smtClean="0">
+              <a:rPr lang="en-US" sz="1200" kern="1200" dirty="0">
                 <a:solidFill>
                   <a:schemeClr val="tx1"/>
                 </a:solidFill>
@@ -1014,7 +1029,7 @@
               <a:tabLst/>
               <a:defRPr/>
             </a:pPr>
-            <a:endParaRPr lang="en-US" sz="1100" dirty="0" smtClean="0">
+            <a:endParaRPr lang="en-US" sz="1100" dirty="0">
               <a:solidFill>
                 <a:srgbClr val="FFFFFF"/>
               </a:solidFill>
@@ -1026,7 +1041,7 @@
             </a:endParaRPr>
           </a:p>
           <a:p>
-            <a:endParaRPr lang="en-US" dirty="0" smtClean="0"/>
+            <a:endParaRPr lang="en-US" dirty="0"/>
           </a:p>
           <a:p>
             <a:pPr marL="171450" indent="-171450">
@@ -1110,7 +1125,7 @@
               <a:defRPr/>
             </a:pPr>
             <a:r>
-              <a:rPr lang="en-US" sz="1200" b="0" i="0" u="none" strike="noStrike" cap="none" baseline="0" dirty="0" smtClean="0">
+              <a:rPr lang="en-US" sz="1200" b="0" i="0" u="none" strike="noStrike" cap="none" baseline="0" dirty="0">
                 <a:solidFill>
                   <a:schemeClr val="dk1"/>
                 </a:solidFill>
@@ -1250,7 +1265,7 @@
               <a:defRPr/>
             </a:pPr>
             <a:r>
-              <a:rPr lang="en-US" sz="1200" baseline="0" dirty="0" err="1" smtClean="0">
+              <a:rPr lang="en-US" sz="1200" baseline="0" dirty="0" err="1">
                 <a:solidFill>
                   <a:schemeClr val="dk1"/>
                 </a:solidFill>
@@ -1262,7 +1277,7 @@
               <a:t>AllState</a:t>
             </a:r>
             <a:r>
-              <a:rPr lang="en-US" sz="1200" baseline="0" dirty="0" smtClean="0">
+              <a:rPr lang="en-US" sz="1200" baseline="0" dirty="0">
                 <a:solidFill>
                   <a:schemeClr val="dk1"/>
                 </a:solidFill>
@@ -1274,7 +1289,7 @@
               <a:t> SVP Andy </a:t>
             </a:r>
             <a:r>
-              <a:rPr lang="en-US" sz="1200" baseline="0" dirty="0" err="1" smtClean="0">
+              <a:rPr lang="en-US" sz="1200" baseline="0" dirty="0" err="1">
                 <a:solidFill>
                   <a:schemeClr val="dk1"/>
                 </a:solidFill>
@@ -1286,7 +1301,7 @@
               <a:t>Zitney</a:t>
             </a:r>
             <a:r>
-              <a:rPr lang="en-US" sz="1200" baseline="0" dirty="0" smtClean="0">
+              <a:rPr lang="en-US" sz="1200" baseline="0" dirty="0">
                 <a:solidFill>
                   <a:schemeClr val="dk1"/>
                 </a:solidFill>
@@ -1299,18 +1314,18 @@
             </a:r>
           </a:p>
           <a:p>
-            <a:endParaRPr lang="en-US" dirty="0" smtClean="0"/>
+            <a:endParaRPr lang="en-US" dirty="0"/>
           </a:p>
           <a:p>
-            <a:endParaRPr lang="en-US" dirty="0" smtClean="0"/>
+            <a:endParaRPr lang="en-US" dirty="0"/>
           </a:p>
           <a:p>
             <a:r>
-              <a:rPr lang="en-US" dirty="0" smtClean="0"/>
+              <a:rPr lang="en-US" dirty="0"/>
               <a:t>Now</a:t>
             </a:r>
             <a:r>
-              <a:rPr lang="en-US" baseline="0" dirty="0" smtClean="0"/>
+              <a:rPr lang="en-US" baseline="0" dirty="0"/>
               <a:t> I’d love to open this up for discussion.</a:t>
             </a:r>
           </a:p>
@@ -1432,7 +1447,7 @@
               </a:buClr>
             </a:pPr>
             <a:r>
-              <a:rPr lang="en-US" sz="1100" dirty="0" smtClean="0">
+              <a:rPr lang="en-US" sz="1100" dirty="0">
                 <a:solidFill>
                   <a:schemeClr val="dk1"/>
                 </a:solidFill>
@@ -1444,7 +1459,7 @@
               <a:t>Time now</a:t>
             </a:r>
             <a:r>
-              <a:rPr lang="en-US" sz="1100" baseline="0" dirty="0" smtClean="0">
+              <a:rPr lang="en-US" sz="1100" baseline="0" dirty="0">
                 <a:solidFill>
                   <a:schemeClr val="dk1"/>
                 </a:solidFill>
@@ -1462,7 +1477,7 @@
                 <a:schemeClr val="dk1"/>
               </a:buClr>
             </a:pPr>
-            <a:endParaRPr lang="en-US" sz="1100" baseline="0" dirty="0" smtClean="0">
+            <a:endParaRPr lang="en-US" sz="1100" baseline="0" dirty="0">
               <a:solidFill>
                 <a:schemeClr val="dk1"/>
               </a:solidFill>
@@ -1479,7 +1494,7 @@
               </a:buClr>
             </a:pPr>
             <a:r>
-              <a:rPr lang="en-US" sz="1100" baseline="0" dirty="0" smtClean="0">
+              <a:rPr lang="en-US" sz="1100" baseline="0" dirty="0">
                 <a:solidFill>
                   <a:schemeClr val="dk1"/>
                 </a:solidFill>
@@ -1553,7 +1568,7 @@
           <a:lstStyle/>
           <a:p>
             <a:r>
-              <a:rPr lang="en-US" sz="1200" kern="1200" dirty="0" smtClean="0">
+              <a:rPr lang="en-US" sz="1200" kern="1200" dirty="0">
                 <a:solidFill>
                   <a:schemeClr val="tx1"/>
                 </a:solidFill>
@@ -1908,10 +1923,9 @@
           </a:lstStyle>
           <a:p>
             <a:r>
-              <a:rPr lang="en-US" dirty="0" smtClean="0"/>
+              <a:rPr lang="en-US" dirty="0"/>
               <a:t>Click to edit Master title style</a:t>
             </a:r>
-            <a:endParaRPr lang="en-US" dirty="0"/>
           </a:p>
         </p:txBody>
       </p:sp>
@@ -1974,10 +1988,9 @@
           <a:p>
             <a:pPr lvl="0"/>
             <a:r>
-              <a:rPr lang="en-US" dirty="0" smtClean="0"/>
+              <a:rPr lang="en-US" dirty="0"/>
               <a:t>Click to edit Master</a:t>
             </a:r>
-            <a:endParaRPr lang="en-US" dirty="0"/>
           </a:p>
         </p:txBody>
       </p:sp>
@@ -1991,21 +2004,6 @@
   <p:clrMapOvr>
     <a:masterClrMapping/>
   </p:clrMapOvr>
-  <mc:AlternateContent xmlns:mc="http://schemas.openxmlformats.org/markup-compatibility/2006" xmlns:p14="http://schemas.microsoft.com/office/powerpoint/2010/main">
-    <mc:Choice Requires="p14">
-      <p:transition p14:dur="0"/>
-    </mc:Choice>
-    <mc:Fallback xmlns="">
-      <p:transition xmlns:p14="http://schemas.microsoft.com/office/powerpoint/2010/main"/>
-    </mc:Fallback>
-  </mc:AlternateContent>
-  <p:timing>
-    <p:tnLst>
-      <p:par>
-        <p:cTn xmlns:p14="http://schemas.microsoft.com/office/powerpoint/2010/main" id="1" dur="indefinite" restart="never" nodeType="tmRoot"/>
-      </p:par>
-    </p:tnLst>
-  </p:timing>
 </p:sldLayout>
 </file>
 
@@ -2316,14 +2314,6 @@
   <p:clrMapOvr>
     <a:masterClrMapping/>
   </p:clrMapOvr>
-  <mc:AlternateContent xmlns:mc="http://schemas.openxmlformats.org/markup-compatibility/2006" xmlns:p14="http://schemas.microsoft.com/office/powerpoint/2010/main">
-    <mc:Choice Requires="p14">
-      <p:transition p14:dur="0"/>
-    </mc:Choice>
-    <mc:Fallback xmlns="">
-      <p:transition xmlns:p14="http://schemas.microsoft.com/office/powerpoint/2010/main"/>
-    </mc:Fallback>
-  </mc:AlternateContent>
 </p:sldLayout>
 </file>
 
@@ -2451,14 +2441,6 @@
   <p:clrMapOvr>
     <a:masterClrMapping/>
   </p:clrMapOvr>
-  <mc:AlternateContent xmlns:mc="http://schemas.openxmlformats.org/markup-compatibility/2006" xmlns:p14="http://schemas.microsoft.com/office/powerpoint/2010/main">
-    <mc:Choice Requires="p14">
-      <p:transition p14:dur="0"/>
-    </mc:Choice>
-    <mc:Fallback xmlns="">
-      <p:transition xmlns:p14="http://schemas.microsoft.com/office/powerpoint/2010/main"/>
-    </mc:Fallback>
-  </mc:AlternateContent>
 </p:sldLayout>
 </file>
 
@@ -2697,14 +2679,6 @@
   <p:clrMapOvr>
     <a:masterClrMapping/>
   </p:clrMapOvr>
-  <mc:AlternateContent xmlns:mc="http://schemas.openxmlformats.org/markup-compatibility/2006" xmlns:p14="http://schemas.microsoft.com/office/powerpoint/2010/main">
-    <mc:Choice Requires="p14">
-      <p:transition p14:dur="0"/>
-    </mc:Choice>
-    <mc:Fallback xmlns="">
-      <p:transition xmlns:p14="http://schemas.microsoft.com/office/powerpoint/2010/main"/>
-    </mc:Fallback>
-  </mc:AlternateContent>
 </p:sldLayout>
 </file>
 
@@ -3126,14 +3100,6 @@
   <p:clrMapOvr>
     <a:masterClrMapping/>
   </p:clrMapOvr>
-  <mc:AlternateContent xmlns:mc="http://schemas.openxmlformats.org/markup-compatibility/2006" xmlns:p14="http://schemas.microsoft.com/office/powerpoint/2010/main">
-    <mc:Choice Requires="p14">
-      <p:transition p14:dur="0"/>
-    </mc:Choice>
-    <mc:Fallback xmlns="">
-      <p:transition xmlns:p14="http://schemas.microsoft.com/office/powerpoint/2010/main"/>
-    </mc:Fallback>
-  </mc:AlternateContent>
 </p:sldLayout>
 </file>
 
@@ -3647,14 +3613,6 @@
   <p:clrMapOvr>
     <a:masterClrMapping/>
   </p:clrMapOvr>
-  <mc:AlternateContent xmlns:mc="http://schemas.openxmlformats.org/markup-compatibility/2006" xmlns:p14="http://schemas.microsoft.com/office/powerpoint/2010/main">
-    <mc:Choice Requires="p14">
-      <p:transition p14:dur="0"/>
-    </mc:Choice>
-    <mc:Fallback xmlns="">
-      <p:transition xmlns:p14="http://schemas.microsoft.com/office/powerpoint/2010/main"/>
-    </mc:Fallback>
-  </mc:AlternateContent>
 </p:sldLayout>
 </file>
 
@@ -4279,14 +4237,6 @@
   <p:clrMapOvr>
     <a:masterClrMapping/>
   </p:clrMapOvr>
-  <mc:AlternateContent xmlns:mc="http://schemas.openxmlformats.org/markup-compatibility/2006" xmlns:p14="http://schemas.microsoft.com/office/powerpoint/2010/main">
-    <mc:Choice Requires="p14">
-      <p:transition p14:dur="0"/>
-    </mc:Choice>
-    <mc:Fallback xmlns="">
-      <p:transition xmlns:p14="http://schemas.microsoft.com/office/powerpoint/2010/main"/>
-    </mc:Fallback>
-  </mc:AlternateContent>
 </p:sldLayout>
 </file>
 
@@ -4780,14 +4730,6 @@
   <p:clrMapOvr>
     <a:masterClrMapping/>
   </p:clrMapOvr>
-  <mc:AlternateContent xmlns:mc="http://schemas.openxmlformats.org/markup-compatibility/2006" xmlns:p14="http://schemas.microsoft.com/office/powerpoint/2010/main">
-    <mc:Choice Requires="p14">
-      <p:transition p14:dur="0"/>
-    </mc:Choice>
-    <mc:Fallback xmlns="">
-      <p:transition xmlns:p14="http://schemas.microsoft.com/office/powerpoint/2010/main"/>
-    </mc:Fallback>
-  </mc:AlternateContent>
 </p:sldLayout>
 </file>
 
@@ -4826,14 +4768,6 @@
   <p:clrMapOvr>
     <a:masterClrMapping/>
   </p:clrMapOvr>
-  <mc:AlternateContent xmlns:mc="http://schemas.openxmlformats.org/markup-compatibility/2006" xmlns:p14="http://schemas.microsoft.com/office/powerpoint/2010/main">
-    <mc:Choice Requires="p14">
-      <p:transition p14:dur="0"/>
-    </mc:Choice>
-    <mc:Fallback xmlns="">
-      <p:transition xmlns:p14="http://schemas.microsoft.com/office/powerpoint/2010/main"/>
-    </mc:Fallback>
-  </mc:AlternateContent>
 </p:sldLayout>
 </file>
 
@@ -5080,14 +5014,6 @@
   <p:clrMapOvr>
     <a:masterClrMapping/>
   </p:clrMapOvr>
-  <mc:AlternateContent xmlns:mc="http://schemas.openxmlformats.org/markup-compatibility/2006" xmlns:p14="http://schemas.microsoft.com/office/powerpoint/2010/main">
-    <mc:Choice Requires="p14">
-      <p:transition p14:dur="0"/>
-    </mc:Choice>
-    <mc:Fallback xmlns="">
-      <p:transition xmlns:p14="http://schemas.microsoft.com/office/powerpoint/2010/main"/>
-    </mc:Fallback>
-  </mc:AlternateContent>
 </p:sldLayout>
 </file>
 
@@ -5309,14 +5235,6 @@
   <p:clrMapOvr>
     <a:masterClrMapping/>
   </p:clrMapOvr>
-  <mc:AlternateContent xmlns:mc="http://schemas.openxmlformats.org/markup-compatibility/2006" xmlns:p14="http://schemas.microsoft.com/office/powerpoint/2010/main">
-    <mc:Choice Requires="p14">
-      <p:transition p14:dur="0"/>
-    </mc:Choice>
-    <mc:Fallback xmlns="">
-      <p:transition xmlns:p14="http://schemas.microsoft.com/office/powerpoint/2010/main"/>
-    </mc:Fallback>
-  </mc:AlternateContent>
 </p:sldLayout>
 </file>
 
@@ -5370,21 +5288,6 @@
   <p:clrMapOvr>
     <a:masterClrMapping/>
   </p:clrMapOvr>
-  <mc:AlternateContent xmlns:mc="http://schemas.openxmlformats.org/markup-compatibility/2006" xmlns:p14="http://schemas.microsoft.com/office/powerpoint/2010/main">
-    <mc:Choice Requires="p14">
-      <p:transition p14:dur="0"/>
-    </mc:Choice>
-    <mc:Fallback xmlns="">
-      <p:transition xmlns:p14="http://schemas.microsoft.com/office/powerpoint/2010/main"/>
-    </mc:Fallback>
-  </mc:AlternateContent>
-  <p:timing>
-    <p:tnLst>
-      <p:par>
-        <p:cTn xmlns:p14="http://schemas.microsoft.com/office/powerpoint/2010/main" id="1" dur="indefinite" restart="never" nodeType="tmRoot"/>
-      </p:par>
-    </p:tnLst>
-  </p:timing>
 </p:sldLayout>
 </file>
 
@@ -5552,14 +5455,6 @@
   <p:clrMapOvr>
     <a:masterClrMapping/>
   </p:clrMapOvr>
-  <mc:AlternateContent xmlns:mc="http://schemas.openxmlformats.org/markup-compatibility/2006" xmlns:p14="http://schemas.microsoft.com/office/powerpoint/2010/main">
-    <mc:Choice Requires="p14">
-      <p:transition p14:dur="0"/>
-    </mc:Choice>
-    <mc:Fallback xmlns="">
-      <p:transition xmlns:p14="http://schemas.microsoft.com/office/powerpoint/2010/main"/>
-    </mc:Fallback>
-  </mc:AlternateContent>
 </p:sldLayout>
 </file>
 
@@ -5927,14 +5822,6 @@
   <p:clrMapOvr>
     <a:masterClrMapping/>
   </p:clrMapOvr>
-  <mc:AlternateContent xmlns:mc="http://schemas.openxmlformats.org/markup-compatibility/2006" xmlns:p14="http://schemas.microsoft.com/office/powerpoint/2010/main">
-    <mc:Choice Requires="p14">
-      <p:transition p14:dur="0"/>
-    </mc:Choice>
-    <mc:Fallback xmlns="">
-      <p:transition xmlns:p14="http://schemas.microsoft.com/office/powerpoint/2010/main"/>
-    </mc:Fallback>
-  </mc:AlternateContent>
 </p:sldLayout>
 </file>
 
@@ -6642,14 +6529,6 @@
   <p:clrMapOvr>
     <a:masterClrMapping/>
   </p:clrMapOvr>
-  <mc:AlternateContent xmlns:mc="http://schemas.openxmlformats.org/markup-compatibility/2006" xmlns:p14="http://schemas.microsoft.com/office/powerpoint/2010/main">
-    <mc:Choice Requires="p14">
-      <p:transition p14:dur="0"/>
-    </mc:Choice>
-    <mc:Fallback xmlns="">
-      <p:transition xmlns:p14="http://schemas.microsoft.com/office/powerpoint/2010/main"/>
-    </mc:Fallback>
-  </mc:AlternateContent>
 </p:sldLayout>
 </file>
 
@@ -6838,14 +6717,6 @@
   <p:clrMapOvr>
     <a:masterClrMapping/>
   </p:clrMapOvr>
-  <mc:AlternateContent xmlns:mc="http://schemas.openxmlformats.org/markup-compatibility/2006" xmlns:p14="http://schemas.microsoft.com/office/powerpoint/2010/main">
-    <mc:Choice Requires="p14">
-      <p:transition p14:dur="0"/>
-    </mc:Choice>
-    <mc:Fallback xmlns="">
-      <p:transition xmlns:p14="http://schemas.microsoft.com/office/powerpoint/2010/main"/>
-    </mc:Fallback>
-  </mc:AlternateContent>
 </p:sldLayout>
 </file>
 
@@ -6952,14 +6823,6 @@
   <p:clrMapOvr>
     <a:masterClrMapping/>
   </p:clrMapOvr>
-  <mc:AlternateContent xmlns:mc="http://schemas.openxmlformats.org/markup-compatibility/2006" xmlns:p14="http://schemas.microsoft.com/office/powerpoint/2010/main">
-    <mc:Choice Requires="p14">
-      <p:transition p14:dur="0"/>
-    </mc:Choice>
-    <mc:Fallback xmlns="">
-      <p:transition xmlns:p14="http://schemas.microsoft.com/office/powerpoint/2010/main"/>
-    </mc:Fallback>
-  </mc:AlternateContent>
 </p:sldLayout>
 </file>
 
@@ -7667,14 +7530,6 @@
   <p:clrMapOvr>
     <a:masterClrMapping/>
   </p:clrMapOvr>
-  <mc:AlternateContent xmlns:mc="http://schemas.openxmlformats.org/markup-compatibility/2006" xmlns:p14="http://schemas.microsoft.com/office/powerpoint/2010/main">
-    <mc:Choice Requires="p14">
-      <p:transition p14:dur="0"/>
-    </mc:Choice>
-    <mc:Fallback xmlns="">
-      <p:transition xmlns:p14="http://schemas.microsoft.com/office/powerpoint/2010/main"/>
-    </mc:Fallback>
-  </mc:AlternateContent>
 </p:sldLayout>
 </file>
 
@@ -8333,14 +8188,6 @@
   <p:clrMapOvr>
     <a:masterClrMapping/>
   </p:clrMapOvr>
-  <mc:AlternateContent xmlns:mc="http://schemas.openxmlformats.org/markup-compatibility/2006" xmlns:p14="http://schemas.microsoft.com/office/powerpoint/2010/main">
-    <mc:Choice Requires="p14">
-      <p:transition p14:dur="0"/>
-    </mc:Choice>
-    <mc:Fallback xmlns="">
-      <p:transition xmlns:p14="http://schemas.microsoft.com/office/powerpoint/2010/main"/>
-    </mc:Fallback>
-  </mc:AlternateContent>
 </p:sldLayout>
 </file>
 
@@ -9017,14 +8864,6 @@
   <p:clrMapOvr>
     <a:masterClrMapping/>
   </p:clrMapOvr>
-  <mc:AlternateContent xmlns:mc="http://schemas.openxmlformats.org/markup-compatibility/2006" xmlns:p14="http://schemas.microsoft.com/office/powerpoint/2010/main">
-    <mc:Choice Requires="p14">
-      <p:transition p14:dur="0"/>
-    </mc:Choice>
-    <mc:Fallback xmlns="">
-      <p:transition xmlns:p14="http://schemas.microsoft.com/office/powerpoint/2010/main"/>
-    </mc:Fallback>
-  </mc:AlternateContent>
 </p:sldLayout>
 </file>
 
@@ -9896,14 +9735,6 @@
   <p:clrMapOvr>
     <a:masterClrMapping/>
   </p:clrMapOvr>
-  <mc:AlternateContent xmlns:mc="http://schemas.openxmlformats.org/markup-compatibility/2006" xmlns:p14="http://schemas.microsoft.com/office/powerpoint/2010/main">
-    <mc:Choice Requires="p14">
-      <p:transition p14:dur="0"/>
-    </mc:Choice>
-    <mc:Fallback xmlns="">
-      <p:transition xmlns:p14="http://schemas.microsoft.com/office/powerpoint/2010/main"/>
-    </mc:Fallback>
-  </mc:AlternateContent>
 </p:sldLayout>
 </file>
 
@@ -10408,14 +10239,6 @@
   <p:clrMapOvr>
     <a:masterClrMapping/>
   </p:clrMapOvr>
-  <mc:AlternateContent xmlns:mc="http://schemas.openxmlformats.org/markup-compatibility/2006" xmlns:p14="http://schemas.microsoft.com/office/powerpoint/2010/main">
-    <mc:Choice Requires="p14">
-      <p:transition p14:dur="0"/>
-    </mc:Choice>
-    <mc:Fallback xmlns="">
-      <p:transition xmlns:p14="http://schemas.microsoft.com/office/powerpoint/2010/main"/>
-    </mc:Fallback>
-  </mc:AlternateContent>
 </p:sldLayout>
 </file>
 
@@ -10470,10 +10293,9 @@
           </a:lstStyle>
           <a:p>
             <a:r>
-              <a:rPr lang="en-US" dirty="0" smtClean="0"/>
+              <a:rPr lang="en-US" dirty="0"/>
               <a:t>Click to edit Master title style</a:t>
             </a:r>
-            <a:endParaRPr lang="en-US" dirty="0"/>
           </a:p>
         </p:txBody>
       </p:sp>
@@ -10510,21 +10332,6 @@
   <p:clrMapOvr>
     <a:masterClrMapping/>
   </p:clrMapOvr>
-  <mc:AlternateContent xmlns:mc="http://schemas.openxmlformats.org/markup-compatibility/2006" xmlns:p14="http://schemas.microsoft.com/office/powerpoint/2010/main">
-    <mc:Choice Requires="p14">
-      <p:transition p14:dur="0"/>
-    </mc:Choice>
-    <mc:Fallback xmlns="">
-      <p:transition xmlns:p14="http://schemas.microsoft.com/office/powerpoint/2010/main"/>
-    </mc:Fallback>
-  </mc:AlternateContent>
-  <p:timing>
-    <p:tnLst>
-      <p:par>
-        <p:cTn xmlns:p14="http://schemas.microsoft.com/office/powerpoint/2010/main" id="1" dur="indefinite" restart="never" nodeType="tmRoot"/>
-      </p:par>
-    </p:tnLst>
-  </p:timing>
 </p:sldLayout>
 </file>
 
@@ -10930,14 +10737,6 @@
   <p:clrMapOvr>
     <a:masterClrMapping/>
   </p:clrMapOvr>
-  <mc:AlternateContent xmlns:mc="http://schemas.openxmlformats.org/markup-compatibility/2006" xmlns:p14="http://schemas.microsoft.com/office/powerpoint/2010/main">
-    <mc:Choice Requires="p14">
-      <p:transition p14:dur="0"/>
-    </mc:Choice>
-    <mc:Fallback xmlns="">
-      <p:transition xmlns:p14="http://schemas.microsoft.com/office/powerpoint/2010/main"/>
-    </mc:Fallback>
-  </mc:AlternateContent>
 </p:sldLayout>
 </file>
 
@@ -11619,14 +11418,6 @@
   <p:clrMapOvr>
     <a:masterClrMapping/>
   </p:clrMapOvr>
-  <mc:AlternateContent xmlns:mc="http://schemas.openxmlformats.org/markup-compatibility/2006" xmlns:p14="http://schemas.microsoft.com/office/powerpoint/2010/main">
-    <mc:Choice Requires="p14">
-      <p:transition p14:dur="0"/>
-    </mc:Choice>
-    <mc:Fallback xmlns="">
-      <p:transition xmlns:p14="http://schemas.microsoft.com/office/powerpoint/2010/main"/>
-    </mc:Fallback>
-  </mc:AlternateContent>
 </p:sldLayout>
 </file>
 
@@ -12425,14 +12216,6 @@
   <p:clrMapOvr>
     <a:masterClrMapping/>
   </p:clrMapOvr>
-  <mc:AlternateContent xmlns:mc="http://schemas.openxmlformats.org/markup-compatibility/2006" xmlns:p14="http://schemas.microsoft.com/office/powerpoint/2010/main">
-    <mc:Choice Requires="p14">
-      <p:transition p14:dur="0"/>
-    </mc:Choice>
-    <mc:Fallback xmlns="">
-      <p:transition xmlns:p14="http://schemas.microsoft.com/office/powerpoint/2010/main"/>
-    </mc:Fallback>
-  </mc:AlternateContent>
 </p:sldLayout>
 </file>
 
@@ -13140,14 +12923,6 @@
   <p:clrMapOvr>
     <a:masterClrMapping/>
   </p:clrMapOvr>
-  <mc:AlternateContent xmlns:mc="http://schemas.openxmlformats.org/markup-compatibility/2006" xmlns:p14="http://schemas.microsoft.com/office/powerpoint/2010/main">
-    <mc:Choice Requires="p14">
-      <p:transition p14:dur="0"/>
-    </mc:Choice>
-    <mc:Fallback xmlns="">
-      <p:transition xmlns:p14="http://schemas.microsoft.com/office/powerpoint/2010/main"/>
-    </mc:Fallback>
-  </mc:AlternateContent>
 </p:sldLayout>
 </file>
 
@@ -13855,14 +13630,6 @@
   <p:clrMapOvr>
     <a:masterClrMapping/>
   </p:clrMapOvr>
-  <mc:AlternateContent xmlns:mc="http://schemas.openxmlformats.org/markup-compatibility/2006" xmlns:p14="http://schemas.microsoft.com/office/powerpoint/2010/main">
-    <mc:Choice Requires="p14">
-      <p:transition p14:dur="0"/>
-    </mc:Choice>
-    <mc:Fallback xmlns="">
-      <p:transition xmlns:p14="http://schemas.microsoft.com/office/powerpoint/2010/main"/>
-    </mc:Fallback>
-  </mc:AlternateContent>
 </p:sldLayout>
 </file>
 
@@ -14350,14 +14117,6 @@
   <p:clrMapOvr>
     <a:masterClrMapping/>
   </p:clrMapOvr>
-  <mc:AlternateContent xmlns:mc="http://schemas.openxmlformats.org/markup-compatibility/2006" xmlns:p14="http://schemas.microsoft.com/office/powerpoint/2010/main">
-    <mc:Choice Requires="p14">
-      <p:transition p14:dur="0"/>
-    </mc:Choice>
-    <mc:Fallback xmlns="">
-      <p:transition xmlns:p14="http://schemas.microsoft.com/office/powerpoint/2010/main"/>
-    </mc:Fallback>
-  </mc:AlternateContent>
 </p:sldLayout>
 </file>
 
@@ -14668,14 +14427,6 @@
   <p:clrMapOvr>
     <a:masterClrMapping/>
   </p:clrMapOvr>
-  <mc:AlternateContent xmlns:mc="http://schemas.openxmlformats.org/markup-compatibility/2006" xmlns:p14="http://schemas.microsoft.com/office/powerpoint/2010/main">
-    <mc:Choice Requires="p14">
-      <p:transition p14:dur="0"/>
-    </mc:Choice>
-    <mc:Fallback xmlns="">
-      <p:transition xmlns:p14="http://schemas.microsoft.com/office/powerpoint/2010/main"/>
-    </mc:Fallback>
-  </mc:AlternateContent>
 </p:sldLayout>
 </file>
 
@@ -14795,14 +14546,6 @@
   <p:clrMapOvr>
     <a:masterClrMapping/>
   </p:clrMapOvr>
-  <mc:AlternateContent xmlns:mc="http://schemas.openxmlformats.org/markup-compatibility/2006" xmlns:p14="http://schemas.microsoft.com/office/powerpoint/2010/main">
-    <mc:Choice Requires="p14">
-      <p:transition p14:dur="0"/>
-    </mc:Choice>
-    <mc:Fallback xmlns="">
-      <p:transition xmlns:p14="http://schemas.microsoft.com/office/powerpoint/2010/main"/>
-    </mc:Fallback>
-  </mc:AlternateContent>
 </p:sldLayout>
 </file>
 
@@ -15024,14 +14767,6 @@
   <p:clrMapOvr>
     <a:masterClrMapping/>
   </p:clrMapOvr>
-  <mc:AlternateContent xmlns:mc="http://schemas.openxmlformats.org/markup-compatibility/2006" xmlns:p14="http://schemas.microsoft.com/office/powerpoint/2010/main">
-    <mc:Choice Requires="p14">
-      <p:transition p14:dur="0"/>
-    </mc:Choice>
-    <mc:Fallback xmlns="">
-      <p:transition xmlns:p14="http://schemas.microsoft.com/office/powerpoint/2010/main"/>
-    </mc:Fallback>
-  </mc:AlternateContent>
 </p:sldLayout>
 </file>
 
@@ -15399,14 +15134,6 @@
   <p:clrMapOvr>
     <a:masterClrMapping/>
   </p:clrMapOvr>
-  <mc:AlternateContent xmlns:mc="http://schemas.openxmlformats.org/markup-compatibility/2006" xmlns:p14="http://schemas.microsoft.com/office/powerpoint/2010/main">
-    <mc:Choice Requires="p14">
-      <p:transition p14:dur="0"/>
-    </mc:Choice>
-    <mc:Fallback xmlns="">
-      <p:transition xmlns:p14="http://schemas.microsoft.com/office/powerpoint/2010/main"/>
-    </mc:Fallback>
-  </mc:AlternateContent>
 </p:sldLayout>
 </file>
 
@@ -15479,21 +15206,6 @@
   <p:clrMapOvr>
     <a:masterClrMapping/>
   </p:clrMapOvr>
-  <mc:AlternateContent xmlns:mc="http://schemas.openxmlformats.org/markup-compatibility/2006" xmlns:p14="http://schemas.microsoft.com/office/powerpoint/2010/main">
-    <mc:Choice Requires="p14">
-      <p:transition p14:dur="0"/>
-    </mc:Choice>
-    <mc:Fallback xmlns="">
-      <p:transition xmlns:p14="http://schemas.microsoft.com/office/powerpoint/2010/main"/>
-    </mc:Fallback>
-  </mc:AlternateContent>
-  <p:timing>
-    <p:tnLst>
-      <p:par>
-        <p:cTn xmlns:p14="http://schemas.microsoft.com/office/powerpoint/2010/main" id="1" dur="indefinite" restart="never" nodeType="tmRoot"/>
-      </p:par>
-    </p:tnLst>
-  </p:timing>
 </p:sldLayout>
 </file>
 
@@ -15548,10 +15260,9 @@
           </a:lstStyle>
           <a:p>
             <a:r>
-              <a:rPr lang="en-US" dirty="0" smtClean="0"/>
+              <a:rPr lang="en-US" dirty="0"/>
               <a:t>Click to edit Master title style</a:t>
             </a:r>
-            <a:endParaRPr lang="en-US" dirty="0"/>
           </a:p>
         </p:txBody>
       </p:sp>
@@ -15647,10 +15358,9 @@
           <a:p>
             <a:pPr lvl="0"/>
             <a:r>
-              <a:rPr lang="en-US" dirty="0" smtClean="0"/>
+              <a:rPr lang="en-US" dirty="0"/>
               <a:t>Click to edit Master</a:t>
             </a:r>
-            <a:endParaRPr lang="en-US" dirty="0"/>
           </a:p>
         </p:txBody>
       </p:sp>
@@ -15714,21 +15424,6 @@
   <p:clrMapOvr>
     <a:masterClrMapping/>
   </p:clrMapOvr>
-  <mc:AlternateContent xmlns:mc="http://schemas.openxmlformats.org/markup-compatibility/2006" xmlns:p14="http://schemas.microsoft.com/office/powerpoint/2010/main">
-    <mc:Choice Requires="p14">
-      <p:transition p14:dur="0"/>
-    </mc:Choice>
-    <mc:Fallback xmlns="">
-      <p:transition xmlns:p14="http://schemas.microsoft.com/office/powerpoint/2010/main"/>
-    </mc:Fallback>
-  </mc:AlternateContent>
-  <p:timing>
-    <p:tnLst>
-      <p:par>
-        <p:cTn xmlns:p14="http://schemas.microsoft.com/office/powerpoint/2010/main" id="1" dur="indefinite" restart="never" nodeType="tmRoot"/>
-      </p:par>
-    </p:tnLst>
-  </p:timing>
 </p:sldLayout>
 </file>
 
@@ -15900,21 +15595,6 @@
   <p:clrMapOvr>
     <a:masterClrMapping/>
   </p:clrMapOvr>
-  <mc:AlternateContent xmlns:mc="http://schemas.openxmlformats.org/markup-compatibility/2006" xmlns:p14="http://schemas.microsoft.com/office/powerpoint/2010/main">
-    <mc:Choice Requires="p14">
-      <p:transition p14:dur="0"/>
-    </mc:Choice>
-    <mc:Fallback xmlns="">
-      <p:transition xmlns:p14="http://schemas.microsoft.com/office/powerpoint/2010/main"/>
-    </mc:Fallback>
-  </mc:AlternateContent>
-  <p:timing>
-    <p:tnLst>
-      <p:par>
-        <p:cTn xmlns:p14="http://schemas.microsoft.com/office/powerpoint/2010/main" id="1" dur="indefinite" restart="never" nodeType="tmRoot"/>
-      </p:par>
-    </p:tnLst>
-  </p:timing>
 </p:sldLayout>
 </file>
 
@@ -16001,21 +15681,6 @@
   <p:clrMapOvr>
     <a:masterClrMapping/>
   </p:clrMapOvr>
-  <mc:AlternateContent xmlns:mc="http://schemas.openxmlformats.org/markup-compatibility/2006" xmlns:p14="http://schemas.microsoft.com/office/powerpoint/2010/main">
-    <mc:Choice Requires="p14">
-      <p:transition p14:dur="0"/>
-    </mc:Choice>
-    <mc:Fallback xmlns="">
-      <p:transition xmlns:p14="http://schemas.microsoft.com/office/powerpoint/2010/main"/>
-    </mc:Fallback>
-  </mc:AlternateContent>
-  <p:timing>
-    <p:tnLst>
-      <p:par>
-        <p:cTn xmlns:p14="http://schemas.microsoft.com/office/powerpoint/2010/main" id="1" dur="indefinite" restart="never" nodeType="tmRoot"/>
-      </p:par>
-    </p:tnLst>
-  </p:timing>
 </p:sldLayout>
 </file>
 
@@ -16074,10 +15739,9 @@
           </a:lstStyle>
           <a:p>
             <a:r>
-              <a:rPr lang="en-US" dirty="0" smtClean="0"/>
+              <a:rPr lang="en-US" dirty="0"/>
               <a:t>Click to Edit Master Title Style</a:t>
             </a:r>
-            <a:endParaRPr lang="en-US" dirty="0"/>
           </a:p>
         </p:txBody>
       </p:sp>
@@ -16091,21 +15755,6 @@
   <p:clrMapOvr>
     <a:masterClrMapping/>
   </p:clrMapOvr>
-  <mc:AlternateContent xmlns:mc="http://schemas.openxmlformats.org/markup-compatibility/2006" xmlns:p14="http://schemas.microsoft.com/office/powerpoint/2010/main">
-    <mc:Choice Requires="p14">
-      <p:transition p14:dur="0"/>
-    </mc:Choice>
-    <mc:Fallback xmlns="">
-      <p:transition xmlns:p14="http://schemas.microsoft.com/office/powerpoint/2010/main"/>
-    </mc:Fallback>
-  </mc:AlternateContent>
-  <p:timing>
-    <p:tnLst>
-      <p:par>
-        <p:cTn xmlns:p14="http://schemas.microsoft.com/office/powerpoint/2010/main" id="1" dur="indefinite" restart="never" nodeType="tmRoot"/>
-      </p:par>
-    </p:tnLst>
-  </p:timing>
 </p:sldLayout>
 </file>
 
@@ -16192,14 +15841,6 @@
   <p:clrMapOvr>
     <a:masterClrMapping/>
   </p:clrMapOvr>
-  <mc:AlternateContent xmlns:mc="http://schemas.openxmlformats.org/markup-compatibility/2006" xmlns:p14="http://schemas.microsoft.com/office/powerpoint/2010/main">
-    <mc:Choice Requires="p14">
-      <p:transition p14:dur="0"/>
-    </mc:Choice>
-    <mc:Fallback xmlns="">
-      <p:transition xmlns:p14="http://schemas.microsoft.com/office/powerpoint/2010/main"/>
-    </mc:Fallback>
-  </mc:AlternateContent>
 </p:sldLayout>
 </file>
 
@@ -16365,14 +16006,6 @@
   <p:clrMapOvr>
     <a:masterClrMapping/>
   </p:clrMapOvr>
-  <mc:AlternateContent xmlns:mc="http://schemas.openxmlformats.org/markup-compatibility/2006" xmlns:p14="http://schemas.microsoft.com/office/powerpoint/2010/main">
-    <mc:Choice Requires="p14">
-      <p:transition p14:dur="0"/>
-    </mc:Choice>
-    <mc:Fallback xmlns="">
-      <p:transition xmlns:p14="http://schemas.microsoft.com/office/powerpoint/2010/main"/>
-    </mc:Fallback>
-  </mc:AlternateContent>
 </p:sldLayout>
 </file>
 
@@ -16427,10 +16060,9 @@
           </a:lstStyle>
           <a:p>
             <a:r>
-              <a:rPr lang="en-US" dirty="0" smtClean="0"/>
+              <a:rPr lang="en-US" dirty="0"/>
               <a:t>Click to edit Master title style</a:t>
             </a:r>
-            <a:endParaRPr lang="en-US" dirty="0"/>
           </a:p>
         </p:txBody>
       </p:sp>
@@ -16501,10 +16133,9 @@
           <a:p>
             <a:pPr lvl="0"/>
             <a:r>
-              <a:rPr lang="en-US" dirty="0" smtClean="0"/>
+              <a:rPr lang="en-US" dirty="0"/>
               <a:t>Click to edit Master</a:t>
             </a:r>
-            <a:endParaRPr lang="en-US" dirty="0"/>
           </a:p>
         </p:txBody>
       </p:sp>
@@ -16518,21 +16149,6 @@
   <p:clrMapOvr>
     <a:masterClrMapping/>
   </p:clrMapOvr>
-  <mc:AlternateContent xmlns:mc="http://schemas.openxmlformats.org/markup-compatibility/2006" xmlns:p14="http://schemas.microsoft.com/office/powerpoint/2010/main">
-    <mc:Choice Requires="p14">
-      <p:transition p14:dur="0"/>
-    </mc:Choice>
-    <mc:Fallback xmlns="">
-      <p:transition xmlns:p14="http://schemas.microsoft.com/office/powerpoint/2010/main"/>
-    </mc:Fallback>
-  </mc:AlternateContent>
-  <p:timing>
-    <p:tnLst>
-      <p:par>
-        <p:cTn xmlns:p14="http://schemas.microsoft.com/office/powerpoint/2010/main" id="1" dur="indefinite" restart="never" nodeType="tmRoot"/>
-      </p:par>
-    </p:tnLst>
-  </p:timing>
 </p:sldLayout>
 </file>
 
@@ -16587,10 +16203,9 @@
           </a:lstStyle>
           <a:p>
             <a:r>
-              <a:rPr lang="en-US" dirty="0" smtClean="0"/>
+              <a:rPr lang="en-US" dirty="0"/>
               <a:t>Click to edit Master title style</a:t>
             </a:r>
-            <a:endParaRPr lang="en-US" dirty="0"/>
           </a:p>
         </p:txBody>
       </p:sp>
@@ -16686,10 +16301,9 @@
           <a:p>
             <a:pPr lvl="0"/>
             <a:r>
-              <a:rPr lang="en-US" dirty="0" smtClean="0"/>
+              <a:rPr lang="en-US" dirty="0"/>
               <a:t>Click to edit Master</a:t>
             </a:r>
-            <a:endParaRPr lang="en-US" dirty="0"/>
           </a:p>
         </p:txBody>
       </p:sp>
@@ -16753,21 +16367,6 @@
   <p:clrMapOvr>
     <a:masterClrMapping/>
   </p:clrMapOvr>
-  <mc:AlternateContent xmlns:mc="http://schemas.openxmlformats.org/markup-compatibility/2006" xmlns:p14="http://schemas.microsoft.com/office/powerpoint/2010/main">
-    <mc:Choice Requires="p14">
-      <p:transition p14:dur="0"/>
-    </mc:Choice>
-    <mc:Fallback xmlns="">
-      <p:transition xmlns:p14="http://schemas.microsoft.com/office/powerpoint/2010/main"/>
-    </mc:Fallback>
-  </mc:AlternateContent>
-  <p:timing>
-    <p:tnLst>
-      <p:par>
-        <p:cTn xmlns:p14="http://schemas.microsoft.com/office/powerpoint/2010/main" id="1" dur="indefinite" restart="never" nodeType="tmRoot"/>
-      </p:par>
-    </p:tnLst>
-  </p:timing>
 </p:sldLayout>
 </file>
 
@@ -16939,21 +16538,6 @@
   <p:clrMapOvr>
     <a:masterClrMapping/>
   </p:clrMapOvr>
-  <mc:AlternateContent xmlns:mc="http://schemas.openxmlformats.org/markup-compatibility/2006" xmlns:p14="http://schemas.microsoft.com/office/powerpoint/2010/main">
-    <mc:Choice Requires="p14">
-      <p:transition p14:dur="0"/>
-    </mc:Choice>
-    <mc:Fallback xmlns="">
-      <p:transition xmlns:p14="http://schemas.microsoft.com/office/powerpoint/2010/main"/>
-    </mc:Fallback>
-  </mc:AlternateContent>
-  <p:timing>
-    <p:tnLst>
-      <p:par>
-        <p:cTn xmlns:p14="http://schemas.microsoft.com/office/powerpoint/2010/main" id="1" dur="indefinite" restart="never" nodeType="tmRoot"/>
-      </p:par>
-    </p:tnLst>
-  </p:timing>
 </p:sldLayout>
 </file>
 
@@ -17040,21 +16624,6 @@
   <p:clrMapOvr>
     <a:masterClrMapping/>
   </p:clrMapOvr>
-  <mc:AlternateContent xmlns:mc="http://schemas.openxmlformats.org/markup-compatibility/2006" xmlns:p14="http://schemas.microsoft.com/office/powerpoint/2010/main">
-    <mc:Choice Requires="p14">
-      <p:transition p14:dur="0"/>
-    </mc:Choice>
-    <mc:Fallback xmlns="">
-      <p:transition xmlns:p14="http://schemas.microsoft.com/office/powerpoint/2010/main"/>
-    </mc:Fallback>
-  </mc:AlternateContent>
-  <p:timing>
-    <p:tnLst>
-      <p:par>
-        <p:cTn xmlns:p14="http://schemas.microsoft.com/office/powerpoint/2010/main" id="1" dur="indefinite" restart="never" nodeType="tmRoot"/>
-      </p:par>
-    </p:tnLst>
-  </p:timing>
 </p:sldLayout>
 </file>
 
@@ -17161,21 +16730,6 @@
   <p:clrMapOvr>
     <a:masterClrMapping/>
   </p:clrMapOvr>
-  <mc:AlternateContent xmlns:mc="http://schemas.openxmlformats.org/markup-compatibility/2006" xmlns:p14="http://schemas.microsoft.com/office/powerpoint/2010/main">
-    <mc:Choice Requires="p14">
-      <p:transition p14:dur="0"/>
-    </mc:Choice>
-    <mc:Fallback xmlns="">
-      <p:transition xmlns:p14="http://schemas.microsoft.com/office/powerpoint/2010/main"/>
-    </mc:Fallback>
-  </mc:AlternateContent>
-  <p:timing>
-    <p:tnLst>
-      <p:par>
-        <p:cTn xmlns:p14="http://schemas.microsoft.com/office/powerpoint/2010/main" id="1" dur="indefinite" restart="never" nodeType="tmRoot"/>
-      </p:par>
-    </p:tnLst>
-  </p:timing>
 </p:sldLayout>
 </file>
 
@@ -17234,10 +16788,9 @@
           </a:lstStyle>
           <a:p>
             <a:r>
-              <a:rPr lang="en-US" dirty="0" smtClean="0"/>
+              <a:rPr lang="en-US" dirty="0"/>
               <a:t>Click to Edit Master Title Style</a:t>
             </a:r>
-            <a:endParaRPr lang="en-US" dirty="0"/>
           </a:p>
         </p:txBody>
       </p:sp>
@@ -17251,21 +16804,6 @@
   <p:clrMapOvr>
     <a:masterClrMapping/>
   </p:clrMapOvr>
-  <mc:AlternateContent xmlns:mc="http://schemas.openxmlformats.org/markup-compatibility/2006" xmlns:p14="http://schemas.microsoft.com/office/powerpoint/2010/main">
-    <mc:Choice Requires="p14">
-      <p:transition p14:dur="0"/>
-    </mc:Choice>
-    <mc:Fallback xmlns="">
-      <p:transition xmlns:p14="http://schemas.microsoft.com/office/powerpoint/2010/main"/>
-    </mc:Fallback>
-  </mc:AlternateContent>
-  <p:timing>
-    <p:tnLst>
-      <p:par>
-        <p:cTn xmlns:p14="http://schemas.microsoft.com/office/powerpoint/2010/main" id="1" dur="indefinite" restart="never" nodeType="tmRoot"/>
-      </p:par>
-    </p:tnLst>
-  </p:timing>
 </p:sldLayout>
 </file>
 
@@ -17352,14 +16890,6 @@
   <p:clrMapOvr>
     <a:masterClrMapping/>
   </p:clrMapOvr>
-  <mc:AlternateContent xmlns:mc="http://schemas.openxmlformats.org/markup-compatibility/2006" xmlns:p14="http://schemas.microsoft.com/office/powerpoint/2010/main">
-    <mc:Choice Requires="p14">
-      <p:transition p14:dur="0"/>
-    </mc:Choice>
-    <mc:Fallback xmlns="">
-      <p:transition xmlns:p14="http://schemas.microsoft.com/office/powerpoint/2010/main"/>
-    </mc:Fallback>
-  </mc:AlternateContent>
 </p:sldLayout>
 </file>
 
@@ -17423,14 +16953,6 @@
   <p:clrMapOvr>
     <a:masterClrMapping/>
   </p:clrMapOvr>
-  <mc:AlternateContent xmlns:mc="http://schemas.openxmlformats.org/markup-compatibility/2006" xmlns:p14="http://schemas.microsoft.com/office/powerpoint/2010/main">
-    <mc:Choice Requires="p14">
-      <p:transition p14:dur="0"/>
-    </mc:Choice>
-    <mc:Fallback xmlns="">
-      <p:transition xmlns:p14="http://schemas.microsoft.com/office/powerpoint/2010/main"/>
-    </mc:Fallback>
-  </mc:AlternateContent>
 </p:sldLayout>
 </file>
 
@@ -17596,14 +17118,6 @@
   <p:clrMapOvr>
     <a:masterClrMapping/>
   </p:clrMapOvr>
-  <mc:AlternateContent xmlns:mc="http://schemas.openxmlformats.org/markup-compatibility/2006" xmlns:p14="http://schemas.microsoft.com/office/powerpoint/2010/main">
-    <mc:Choice Requires="p14">
-      <p:transition p14:dur="0"/>
-    </mc:Choice>
-    <mc:Fallback xmlns="">
-      <p:transition xmlns:p14="http://schemas.microsoft.com/office/powerpoint/2010/main"/>
-    </mc:Fallback>
-  </mc:AlternateContent>
 </p:sldLayout>
 </file>
 
@@ -17914,14 +17428,6 @@
   <p:clrMapOvr>
     <a:masterClrMapping/>
   </p:clrMapOvr>
-  <mc:AlternateContent xmlns:mc="http://schemas.openxmlformats.org/markup-compatibility/2006" xmlns:p14="http://schemas.microsoft.com/office/powerpoint/2010/main">
-    <mc:Choice Requires="p14">
-      <p:transition p14:dur="0"/>
-    </mc:Choice>
-    <mc:Fallback xmlns="">
-      <p:transition xmlns:p14="http://schemas.microsoft.com/office/powerpoint/2010/main"/>
-    </mc:Fallback>
-  </mc:AlternateContent>
 </p:sldLayout>
 </file>
 
@@ -18426,14 +17932,6 @@
   <p:clrMapOvr>
     <a:masterClrMapping/>
   </p:clrMapOvr>
-  <mc:AlternateContent xmlns:mc="http://schemas.openxmlformats.org/markup-compatibility/2006" xmlns:p14="http://schemas.microsoft.com/office/powerpoint/2010/main">
-    <mc:Choice Requires="p14">
-      <p:transition p14:dur="0"/>
-    </mc:Choice>
-    <mc:Fallback xmlns="">
-      <p:transition xmlns:p14="http://schemas.microsoft.com/office/powerpoint/2010/main"/>
-    </mc:Fallback>
-  </mc:AlternateContent>
 </p:sldLayout>
 </file>
 
@@ -18820,14 +18318,6 @@
   <p:clrMapOvr>
     <a:masterClrMapping/>
   </p:clrMapOvr>
-  <mc:AlternateContent xmlns:mc="http://schemas.openxmlformats.org/markup-compatibility/2006" xmlns:p14="http://schemas.microsoft.com/office/powerpoint/2010/main">
-    <mc:Choice Requires="p14">
-      <p:transition p14:dur="0"/>
-    </mc:Choice>
-    <mc:Fallback xmlns="">
-      <p:transition xmlns:p14="http://schemas.microsoft.com/office/powerpoint/2010/main"/>
-    </mc:Fallback>
-  </mc:AlternateContent>
 </p:sldLayout>
 </file>
 
@@ -19179,14 +18669,6 @@
   <p:clrMapOvr>
     <a:masterClrMapping/>
   </p:clrMapOvr>
-  <mc:AlternateContent xmlns:mc="http://schemas.openxmlformats.org/markup-compatibility/2006" xmlns:p14="http://schemas.microsoft.com/office/powerpoint/2010/main">
-    <mc:Choice Requires="p14">
-      <p:transition p14:dur="0"/>
-    </mc:Choice>
-    <mc:Fallback xmlns="">
-      <p:transition xmlns:p14="http://schemas.microsoft.com/office/powerpoint/2010/main"/>
-    </mc:Fallback>
-  </mc:AlternateContent>
 </p:sldLayout>
 </file>
 
@@ -19300,21 +18782,6 @@
     <p:sldLayoutId id="2147483733" r:id="rId3"/>
     <p:sldLayoutId id="2147483740" r:id="rId4"/>
   </p:sldLayoutIdLst>
-  <mc:AlternateContent xmlns:mc="http://schemas.openxmlformats.org/markup-compatibility/2006" xmlns:p14="http://schemas.microsoft.com/office/powerpoint/2010/main">
-    <mc:Choice Requires="p14">
-      <p:transition p14:dur="0"/>
-    </mc:Choice>
-    <mc:Fallback xmlns="">
-      <p:transition xmlns:p14="http://schemas.microsoft.com/office/powerpoint/2010/main"/>
-    </mc:Fallback>
-  </mc:AlternateContent>
-  <p:timing>
-    <p:tnLst>
-      <p:par>
-        <p:cTn xmlns:p14="http://schemas.microsoft.com/office/powerpoint/2010/main" id="1" dur="indefinite" restart="never" nodeType="tmRoot"/>
-      </p:par>
-    </p:tnLst>
-  </p:timing>
   <p:hf hdr="0" ftr="0" dt="0"/>
   <p:txStyles>
     <p:titleStyle>
@@ -19790,14 +19257,6 @@
     <p:sldLayoutId id="2147483668" r:id="rId16"/>
     <p:sldLayoutId id="2147483669" r:id="rId17"/>
   </p:sldLayoutIdLst>
-  <mc:AlternateContent xmlns:mc="http://schemas.openxmlformats.org/markup-compatibility/2006" xmlns:p14="http://schemas.microsoft.com/office/powerpoint/2010/main">
-    <mc:Choice Requires="p14">
-      <p:transition p14:dur="0"/>
-    </mc:Choice>
-    <mc:Fallback xmlns="">
-      <p:transition xmlns:p14="http://schemas.microsoft.com/office/powerpoint/2010/main"/>
-    </mc:Fallback>
-  </mc:AlternateContent>
   <p:hf sldNum="0" hdr="0" ftr="0" dt="0"/>
   <p:txStyles>
     <p:titleStyle>
@@ -20994,14 +20453,6 @@
     <p:sldLayoutId id="2147483692" r:id="rId12"/>
     <p:sldLayoutId id="2147483693" r:id="rId13"/>
   </p:sldLayoutIdLst>
-  <mc:AlternateContent xmlns:mc="http://schemas.openxmlformats.org/markup-compatibility/2006" xmlns:p14="http://schemas.microsoft.com/office/powerpoint/2010/main">
-    <mc:Choice Requires="p14">
-      <p:transition p14:dur="0"/>
-    </mc:Choice>
-    <mc:Fallback xmlns="">
-      <p:transition xmlns:p14="http://schemas.microsoft.com/office/powerpoint/2010/main"/>
-    </mc:Fallback>
-  </mc:AlternateContent>
   <p:hf sldNum="0" hdr="0" ftr="0" dt="0"/>
   <p:txStyles>
     <p:titleStyle>
@@ -22297,14 +21748,6 @@
     <p:sldLayoutId id="2147483714" r:id="rId4"/>
     <p:sldLayoutId id="2147483715" r:id="rId5"/>
   </p:sldLayoutIdLst>
-  <mc:AlternateContent xmlns:mc="http://schemas.openxmlformats.org/markup-compatibility/2006" xmlns:p14="http://schemas.microsoft.com/office/powerpoint/2010/main">
-    <mc:Choice Requires="p14">
-      <p:transition p14:dur="0"/>
-    </mc:Choice>
-    <mc:Fallback xmlns="">
-      <p:transition xmlns:p14="http://schemas.microsoft.com/office/powerpoint/2010/main"/>
-    </mc:Fallback>
-  </mc:AlternateContent>
   <p:hf sldNum="0" hdr="0" ftr="0" dt="0"/>
   <p:txStyles>
     <p:titleStyle>
@@ -22837,21 +22280,6 @@
     <p:sldLayoutId id="2147483723" r:id="rId6"/>
     <p:sldLayoutId id="2147483738" r:id="rId7"/>
   </p:sldLayoutIdLst>
-  <mc:AlternateContent xmlns:mc="http://schemas.openxmlformats.org/markup-compatibility/2006" xmlns:p14="http://schemas.microsoft.com/office/powerpoint/2010/main">
-    <mc:Choice Requires="p14">
-      <p:transition p14:dur="0"/>
-    </mc:Choice>
-    <mc:Fallback xmlns="">
-      <p:transition xmlns:p14="http://schemas.microsoft.com/office/powerpoint/2010/main"/>
-    </mc:Fallback>
-  </mc:AlternateContent>
-  <p:timing>
-    <p:tnLst>
-      <p:par>
-        <p:cTn xmlns:p14="http://schemas.microsoft.com/office/powerpoint/2010/main" id="1" dur="indefinite" restart="never" nodeType="tmRoot"/>
-      </p:par>
-    </p:tnLst>
-  </p:timing>
   <p:hf hdr="0" ftr="0" dt="0"/>
   <p:txStyles>
     <p:titleStyle>
@@ -23175,21 +22603,6 @@
     <p:sldLayoutId id="2147483730" r:id="rId6"/>
     <p:sldLayoutId id="2147483731" r:id="rId7"/>
   </p:sldLayoutIdLst>
-  <mc:AlternateContent xmlns:mc="http://schemas.openxmlformats.org/markup-compatibility/2006" xmlns:p14="http://schemas.microsoft.com/office/powerpoint/2010/main">
-    <mc:Choice Requires="p14">
-      <p:transition p14:dur="0"/>
-    </mc:Choice>
-    <mc:Fallback xmlns="">
-      <p:transition xmlns:p14="http://schemas.microsoft.com/office/powerpoint/2010/main"/>
-    </mc:Fallback>
-  </mc:AlternateContent>
-  <p:timing>
-    <p:tnLst>
-      <p:par>
-        <p:cTn xmlns:p14="http://schemas.microsoft.com/office/powerpoint/2010/main" id="1" dur="indefinite" restart="never" nodeType="tmRoot"/>
-      </p:par>
-    </p:tnLst>
-  </p:timing>
   <p:hf hdr="0" ftr="0" dt="0"/>
   <p:txStyles>
     <p:titleStyle>
@@ -23471,21 +22884,6 @@
   <p:clrMapOvr>
     <a:masterClrMapping/>
   </p:clrMapOvr>
-  <mc:AlternateContent xmlns:mc="http://schemas.openxmlformats.org/markup-compatibility/2006" xmlns:p14="http://schemas.microsoft.com/office/powerpoint/2010/main">
-    <mc:Choice Requires="p14">
-      <p:transition p14:dur="0"/>
-    </mc:Choice>
-    <mc:Fallback xmlns="">
-      <p:transition xmlns:p14="http://schemas.microsoft.com/office/powerpoint/2010/main"/>
-    </mc:Fallback>
-  </mc:AlternateContent>
-  <p:timing>
-    <p:tnLst>
-      <p:par>
-        <p:cTn xmlns:p14="http://schemas.microsoft.com/office/powerpoint/2010/main" id="1" dur="indefinite" restart="never" nodeType="tmRoot"/>
-      </p:par>
-    </p:tnLst>
-  </p:timing>
 </p:sld>
 </file>
 
@@ -23516,21 +22914,6 @@
   <p:clrMapOvr>
     <a:masterClrMapping/>
   </p:clrMapOvr>
-  <mc:AlternateContent xmlns:mc="http://schemas.openxmlformats.org/markup-compatibility/2006" xmlns:p14="http://schemas.microsoft.com/office/powerpoint/2010/main">
-    <mc:Choice Requires="p14">
-      <p:transition p14:dur="0"/>
-    </mc:Choice>
-    <mc:Fallback xmlns="">
-      <p:transition xmlns:p14="http://schemas.microsoft.com/office/powerpoint/2010/main"/>
-    </mc:Fallback>
-  </mc:AlternateContent>
-  <p:timing>
-    <p:tnLst>
-      <p:par>
-        <p:cTn xmlns:p14="http://schemas.microsoft.com/office/powerpoint/2010/main" id="1" dur="indefinite" restart="never" nodeType="tmRoot"/>
-      </p:par>
-    </p:tnLst>
-  </p:timing>
 </p:sld>
 </file>
 
@@ -23568,14 +22951,11 @@
           <a:p>
             <a:pPr lvl="0"/>
             <a:r>
-              <a:rPr lang="en-US" smtClean="0">
+              <a:rPr lang="en-US">
                 <a:sym typeface="Arial"/>
               </a:rPr>
               <a:t>Traditional Model</a:t>
             </a:r>
-            <a:endParaRPr lang="en-US">
-              <a:sym typeface="Arial"/>
-            </a:endParaRPr>
           </a:p>
         </p:txBody>
       </p:sp>
@@ -23611,7 +22991,7 @@
               <a:buChar char="•"/>
             </a:pPr>
             <a:r>
-              <a:rPr lang="en-US" sz="2000" b="1" dirty="0" smtClean="0">
+              <a:rPr lang="en-US" sz="2000" b="1" dirty="0">
                 <a:solidFill>
                   <a:srgbClr val="7F7F7F"/>
                 </a:solidFill>
@@ -23619,10 +22999,10 @@
                 <a:cs typeface="Arial"/>
                 <a:sym typeface="Arial"/>
               </a:rPr>
-              <a:t>Discovery</a:t>
+              <a:t>Discovery:</a:t>
             </a:r>
             <a:r>
-              <a:rPr lang="en-US" sz="2000" b="1" dirty="0">
+              <a:rPr lang="en-US" sz="2000" dirty="0">
                 <a:solidFill>
                   <a:srgbClr val="7F7F7F"/>
                 </a:solidFill>
@@ -23630,40 +23010,7 @@
                 <a:cs typeface="Arial"/>
                 <a:sym typeface="Arial"/>
               </a:rPr>
-              <a:t>:</a:t>
-            </a:r>
-            <a:r>
-              <a:rPr lang="en-US" sz="2000" dirty="0">
-                <a:solidFill>
-                  <a:srgbClr val="7F7F7F"/>
-                </a:solidFill>
-                <a:latin typeface="Arial"/>
-                <a:cs typeface="Arial"/>
-                <a:sym typeface="Arial"/>
-              </a:rPr>
-              <a:t> huge issue: mostly custom solutions, </a:t>
-            </a:r>
-            <a:r>
-              <a:rPr lang="en-US" sz="2000" dirty="0" smtClean="0">
-                <a:solidFill>
-                  <a:srgbClr val="7F7F7F"/>
-                </a:solidFill>
-                <a:latin typeface="Arial"/>
-                <a:cs typeface="Arial"/>
-                <a:sym typeface="Arial"/>
-              </a:rPr>
-              <a:t>JNDI, </a:t>
-            </a:r>
-            <a:r>
-              <a:rPr lang="en-US" sz="2000" dirty="0">
-                <a:solidFill>
-                  <a:srgbClr val="7F7F7F"/>
-                </a:solidFill>
-                <a:latin typeface="Arial"/>
-                <a:cs typeface="Arial"/>
-                <a:sym typeface="Arial"/>
-              </a:rPr>
-              <a:t>etc.</a:t>
+              <a:t> huge issue: mostly custom solutions, JNDI, etc.</a:t>
             </a:r>
           </a:p>
           <a:p>
@@ -23814,21 +23161,6 @@
   <p:clrMapOvr>
     <a:masterClrMapping/>
   </p:clrMapOvr>
-  <mc:AlternateContent xmlns:mc="http://schemas.openxmlformats.org/markup-compatibility/2006" xmlns:p14="http://schemas.microsoft.com/office/powerpoint/2010/main">
-    <mc:Choice Requires="p14">
-      <p:transition p14:dur="0"/>
-    </mc:Choice>
-    <mc:Fallback xmlns="">
-      <p:transition xmlns:p14="http://schemas.microsoft.com/office/powerpoint/2010/main"/>
-    </mc:Fallback>
-  </mc:AlternateContent>
-  <p:timing>
-    <p:tnLst>
-      <p:par>
-        <p:cTn xmlns:p14="http://schemas.microsoft.com/office/powerpoint/2010/main" id="1" dur="indefinite" restart="never" nodeType="tmRoot"/>
-      </p:par>
-    </p:tnLst>
-  </p:timing>
 </p:sld>
 </file>
 
@@ -23866,14 +23198,11 @@
           <a:p>
             <a:pPr lvl="0"/>
             <a:r>
-              <a:rPr lang="en-US" smtClean="0">
+              <a:rPr lang="en-US">
                 <a:sym typeface="Arial"/>
               </a:rPr>
               <a:t>Microservice Model</a:t>
             </a:r>
-            <a:endParaRPr lang="en-US">
-              <a:sym typeface="Arial"/>
-            </a:endParaRPr>
           </a:p>
         </p:txBody>
       </p:sp>
@@ -23910,16 +23239,10 @@
               <a:buChar char="•"/>
             </a:pPr>
             <a:r>
-              <a:rPr lang="en-US" sz="2000" b="1" dirty="0" smtClean="0">
-                <a:sym typeface="Arial"/>
-              </a:rPr>
-              <a:t>Discovery</a:t>
-            </a:r>
-            <a:r>
               <a:rPr lang="en-US" sz="2000" b="1" dirty="0">
                 <a:sym typeface="Arial"/>
               </a:rPr>
-              <a:t>:</a:t>
+              <a:t>Discovery:</a:t>
             </a:r>
             <a:r>
               <a:rPr lang="en-US" sz="2000" dirty="0">
@@ -24043,24 +23366,14 @@
               </a:rPr>
               <a:t>ingle API </a:t>
             </a:r>
-            <a:r>
-              <a:rPr lang="en-US" sz="2000" dirty="0" smtClean="0">
-                <a:sym typeface="Arial"/>
-              </a:rPr>
-              <a:t/>
-            </a:r>
             <a:br>
-              <a:rPr lang="en-US" sz="2000" dirty="0" smtClean="0">
+              <a:rPr lang="en-US" sz="2000" dirty="0">
                 <a:sym typeface="Arial"/>
               </a:rPr>
             </a:br>
             <a:r>
-              <a:rPr lang="en-US" sz="2000" dirty="0" smtClean="0"/>
-              <a:t>to </a:t>
-            </a:r>
-            <a:r>
               <a:rPr lang="en-US" sz="2000" dirty="0"/>
-              <a:t>manage operations tasks such as deploys and </a:t>
+              <a:t>to manage operations tasks such as deploys and </a:t>
             </a:r>
             <a:r>
               <a:rPr lang="en-US" sz="2000" dirty="0">
@@ -24113,21 +23426,6 @@
   <p:clrMapOvr>
     <a:masterClrMapping/>
   </p:clrMapOvr>
-  <mc:AlternateContent xmlns:mc="http://schemas.openxmlformats.org/markup-compatibility/2006" xmlns:p14="http://schemas.microsoft.com/office/powerpoint/2010/main">
-    <mc:Choice Requires="p14">
-      <p:transition p14:dur="0"/>
-    </mc:Choice>
-    <mc:Fallback xmlns="">
-      <p:transition xmlns:p14="http://schemas.microsoft.com/office/powerpoint/2010/main"/>
-    </mc:Fallback>
-  </mc:AlternateContent>
-  <p:timing>
-    <p:tnLst>
-      <p:par>
-        <p:cTn xmlns:p14="http://schemas.microsoft.com/office/powerpoint/2010/main" id="1" dur="indefinite" restart="never" nodeType="tmRoot"/>
-      </p:par>
-    </p:tnLst>
-  </p:timing>
 </p:sld>
 </file>
 
@@ -24165,7 +23463,7 @@
           <a:p>
             <a:pPr lvl="0"/>
             <a:r>
-              <a:rPr lang="en-US" dirty="0" smtClean="0">
+              <a:rPr lang="en-US" dirty="0">
                 <a:sym typeface="Arial"/>
               </a:rPr>
               <a:t>Spring IO Execution: Spring Boot</a:t>
@@ -24879,7 +24177,7 @@
               <a:buChar char="•"/>
             </a:pPr>
             <a:r>
-              <a:rPr lang="en-US" sz="2000" dirty="0" smtClean="0">
+              <a:rPr lang="en-US" sz="2000" dirty="0">
                 <a:sym typeface="Arial"/>
               </a:rPr>
               <a:t>Convention-over-configuration, no XML, no code generation</a:t>
@@ -24897,13 +24195,13 @@
               <a:buChar char="•"/>
             </a:pPr>
             <a:r>
-              <a:rPr lang="en-US" sz="2000" dirty="0" err="1" smtClean="0">
+              <a:rPr lang="en-US" sz="2000" dirty="0" err="1">
                 <a:sym typeface="Arial"/>
               </a:rPr>
               <a:t>Autoconfigure</a:t>
             </a:r>
             <a:r>
-              <a:rPr lang="en-US" sz="2000" dirty="0" smtClean="0">
+              <a:rPr lang="en-US" sz="2000" dirty="0">
                 <a:sym typeface="Arial"/>
               </a:rPr>
               <a:t>, embed servlet engine</a:t>
@@ -24921,7 +24219,7 @@
               <a:buChar char="•"/>
             </a:pPr>
             <a:r>
-              <a:rPr lang="en-US" sz="2000" dirty="0" smtClean="0">
+              <a:rPr lang="en-US" sz="2000" dirty="0">
                 <a:sym typeface="Arial"/>
               </a:rPr>
               <a:t>Get out of the way quickly if you want to change defaults</a:t>
@@ -24939,7 +24237,7 @@
               <a:buChar char="•"/>
             </a:pPr>
             <a:r>
-              <a:rPr lang="en-US" sz="2000" dirty="0" smtClean="0">
+              <a:rPr lang="en-US" sz="2000" dirty="0">
                 <a:sym typeface="Arial"/>
               </a:rPr>
               <a:t>Provide production ready features</a:t>
@@ -24957,7 +24255,7 @@
               <a:buChar char="•"/>
             </a:pPr>
             <a:r>
-              <a:rPr lang="en-US" sz="2000" dirty="0" smtClean="0">
+              <a:rPr lang="en-US" sz="2000" dirty="0">
                 <a:sym typeface="Arial"/>
               </a:rPr>
               <a:t>Service Binding for Cloud Foundry</a:t>
@@ -24975,7 +24273,7 @@
               <a:buChar char="•"/>
             </a:pPr>
             <a:r>
-              <a:rPr lang="en-US" sz="2000" dirty="0" smtClean="0">
+              <a:rPr lang="en-US" sz="2000" dirty="0">
                 <a:sym typeface="Arial"/>
               </a:rPr>
               <a:t>Java, Spring, Groovy</a:t>
@@ -25008,21 +24306,6 @@
   <p:clrMapOvr>
     <a:masterClrMapping/>
   </p:clrMapOvr>
-  <mc:AlternateContent xmlns:mc="http://schemas.openxmlformats.org/markup-compatibility/2006" xmlns:p14="http://schemas.microsoft.com/office/powerpoint/2010/main">
-    <mc:Choice Requires="p14">
-      <p:transition p14:dur="0"/>
-    </mc:Choice>
-    <mc:Fallback xmlns="">
-      <p:transition xmlns:p14="http://schemas.microsoft.com/office/powerpoint/2010/main"/>
-    </mc:Fallback>
-  </mc:AlternateContent>
-  <p:timing>
-    <p:tnLst>
-      <p:par>
-        <p:cTn xmlns:p14="http://schemas.microsoft.com/office/powerpoint/2010/main" id="1" dur="indefinite" restart="never" nodeType="tmRoot"/>
-      </p:par>
-    </p:tnLst>
-  </p:timing>
 </p:sld>
 </file>
 
@@ -25072,7 +24355,7 @@
               <a:buSzPct val="25000"/>
             </a:pPr>
             <a:r>
-              <a:rPr lang="en-US" sz="1600" b="1" dirty="0" smtClean="0">
+              <a:rPr lang="en-US" sz="1600" b="1" dirty="0">
                 <a:solidFill>
                   <a:schemeClr val="dk1"/>
                 </a:solidFill>
@@ -25084,7 +24367,7 @@
               <a:t>SFDC</a:t>
             </a:r>
             <a:r>
-              <a:rPr lang="en-US" sz="1600" b="1" i="0" u="none" strike="noStrike" cap="none" dirty="0" smtClean="0">
+              <a:rPr lang="en-US" sz="1600" b="1" i="0" u="none" strike="noStrike" cap="none" dirty="0">
                 <a:solidFill>
                   <a:schemeClr val="dk1"/>
                 </a:solidFill>
@@ -25096,7 +24379,7 @@
               <a:t> App </a:t>
             </a:r>
             <a:r>
-              <a:rPr lang="en-US" sz="1600" i="0" u="none" strike="noStrike" cap="none" dirty="0" smtClean="0">
+              <a:rPr lang="en-US" sz="1600" i="0" u="none" strike="noStrike" cap="none" dirty="0">
                 <a:solidFill>
                   <a:schemeClr val="dk1"/>
                 </a:solidFill>
@@ -25117,29 +24400,8 @@
                 <a:cs typeface="Arial"/>
                 <a:sym typeface="Calibri"/>
               </a:rPr>
-              <a:t>Spring </a:t>
+              <a:t>Spring Boot and Spring Cloud Services components.</a:t>
             </a:r>
-            <a:r>
-              <a:rPr lang="en-US" sz="1600" dirty="0" smtClean="0">
-                <a:solidFill>
-                  <a:schemeClr val="dk1"/>
-                </a:solidFill>
-                <a:latin typeface="Arial"/>
-                <a:ea typeface="Calibri"/>
-                <a:cs typeface="Arial"/>
-                <a:sym typeface="Calibri"/>
-              </a:rPr>
-              <a:t>Boot and Spring Cloud Services components.</a:t>
-            </a:r>
-            <a:endParaRPr lang="en-US" sz="1600" dirty="0">
-              <a:solidFill>
-                <a:schemeClr val="dk1"/>
-              </a:solidFill>
-              <a:latin typeface="Arial"/>
-              <a:ea typeface="Calibri"/>
-              <a:cs typeface="Arial"/>
-              <a:sym typeface="Calibri"/>
-            </a:endParaRPr>
           </a:p>
           <a:p>
             <a:pPr marL="0" marR="0" lvl="0" indent="0" rtl="0">
@@ -25170,7 +24432,7 @@
         <p:spPr>
           <a:xfrm>
             <a:off x="335105" y="1798336"/>
-            <a:ext cx="4379917" cy="2486081"/>
+            <a:ext cx="4379917" cy="3210986"/>
           </a:xfrm>
           <a:prstGeom prst="rect">
             <a:avLst/>
@@ -25193,7 +24455,7 @@
               <a:buSzPct val="100000"/>
             </a:pPr>
             <a:r>
-              <a:rPr lang="en-US" sz="1600" dirty="0" smtClean="0">
+              <a:rPr lang="en-US" sz="1600" dirty="0">
                 <a:solidFill>
                   <a:schemeClr val="dk1"/>
                 </a:solidFill>
@@ -25202,19 +24464,7 @@
                 <a:cs typeface="Arial"/>
                 <a:sym typeface="Calibri"/>
               </a:rPr>
-              <a:t>Microservices</a:t>
-            </a:r>
-            <a:r>
-              <a:rPr lang="en-US" sz="1600" dirty="0">
-                <a:solidFill>
-                  <a:schemeClr val="dk1"/>
-                </a:solidFill>
-                <a:latin typeface="Arial"/>
-                <a:ea typeface="Calibri"/>
-                <a:cs typeface="Arial"/>
-                <a:sym typeface="Calibri"/>
-              </a:rPr>
-              <a:t>:</a:t>
+              <a:t>Microservices:</a:t>
             </a:r>
           </a:p>
           <a:p>
@@ -25227,7 +24477,7 @@
               <a:buChar char="•"/>
             </a:pPr>
             <a:r>
-              <a:rPr lang="en-US" sz="1600" dirty="0" err="1" smtClean="0">
+              <a:rPr lang="en-US" sz="1600" dirty="0" err="1">
                 <a:solidFill>
                   <a:schemeClr val="dk1"/>
                 </a:solidFill>
@@ -25239,7 +24489,7 @@
               <a:t>SalesForce</a:t>
             </a:r>
             <a:r>
-              <a:rPr lang="en-US" sz="1600" dirty="0" smtClean="0">
+              <a:rPr lang="en-US" sz="1600" dirty="0">
                 <a:solidFill>
                   <a:schemeClr val="dk1"/>
                 </a:solidFill>
@@ -25248,31 +24498,7 @@
                 <a:cs typeface="Arial"/>
                 <a:sym typeface="Calibri"/>
               </a:rPr>
-              <a:t> </a:t>
-            </a:r>
-            <a:r>
-              <a:rPr lang="en-US" sz="1600" dirty="0">
-                <a:solidFill>
-                  <a:schemeClr val="dk1"/>
-                </a:solidFill>
-                <a:latin typeface="Arial"/>
-                <a:ea typeface="Calibri"/>
-                <a:cs typeface="Arial"/>
-                <a:sym typeface="Calibri"/>
-              </a:rPr>
-              <a:t>web </a:t>
-            </a:r>
-            <a:r>
-              <a:rPr lang="en-US" sz="1600" dirty="0" smtClean="0">
-                <a:solidFill>
-                  <a:schemeClr val="dk1"/>
-                </a:solidFill>
-                <a:latin typeface="Arial"/>
-                <a:ea typeface="Calibri"/>
-                <a:cs typeface="Arial"/>
-                <a:sym typeface="Calibri"/>
-              </a:rPr>
-              <a:t>interface</a:t>
+              <a:t> web interface</a:t>
             </a:r>
           </a:p>
           <a:p>
@@ -25285,7 +24511,7 @@
               <a:buChar char="•"/>
             </a:pPr>
             <a:r>
-              <a:rPr lang="en-US" sz="1600" dirty="0" smtClean="0">
+              <a:rPr lang="en-US" sz="1600" dirty="0">
                 <a:solidFill>
                   <a:schemeClr val="dk1"/>
                 </a:solidFill>
@@ -25294,41 +24520,8 @@
                 <a:cs typeface="Arial"/>
                 <a:sym typeface="Calibri"/>
               </a:rPr>
-              <a:t>API </a:t>
+              <a:t>API gateway service</a:t>
             </a:r>
-            <a:r>
-              <a:rPr lang="en-US" sz="1600" dirty="0">
-                <a:solidFill>
-                  <a:schemeClr val="dk1"/>
-                </a:solidFill>
-                <a:latin typeface="Arial"/>
-                <a:ea typeface="Calibri"/>
-                <a:cs typeface="Arial"/>
-                <a:sym typeface="Calibri"/>
-              </a:rPr>
-              <a:t>g</a:t>
-            </a:r>
-            <a:r>
-              <a:rPr lang="en-US" sz="1600" dirty="0" smtClean="0">
-                <a:solidFill>
-                  <a:schemeClr val="dk1"/>
-                </a:solidFill>
-                <a:latin typeface="Arial"/>
-                <a:ea typeface="Calibri"/>
-                <a:cs typeface="Arial"/>
-                <a:sym typeface="Calibri"/>
-              </a:rPr>
-              <a:t>ateway service</a:t>
-            </a:r>
-            <a:endParaRPr lang="en-US" sz="1600" dirty="0">
-              <a:solidFill>
-                <a:schemeClr val="dk1"/>
-              </a:solidFill>
-              <a:latin typeface="Arial"/>
-              <a:ea typeface="Calibri"/>
-              <a:cs typeface="Arial"/>
-              <a:sym typeface="Calibri"/>
-            </a:endParaRPr>
           </a:p>
           <a:p>
             <a:pPr marL="228600" lvl="0" indent="-228600">
@@ -25340,7 +24533,7 @@
               <a:buChar char="•"/>
             </a:pPr>
             <a:r>
-              <a:rPr lang="en-US" sz="1600" dirty="0" smtClean="0">
+              <a:rPr lang="en-US" sz="1600" dirty="0">
                 <a:solidFill>
                   <a:schemeClr val="dk1"/>
                 </a:solidFill>
@@ -25362,7 +24555,7 @@
               <a:buChar char="•"/>
             </a:pPr>
             <a:r>
-              <a:rPr lang="en-US" sz="1600" dirty="0" smtClean="0">
+              <a:rPr lang="en-US" sz="1600" dirty="0">
                 <a:solidFill>
                   <a:schemeClr val="dk1"/>
                 </a:solidFill>
@@ -25384,7 +24577,7 @@
               <a:buChar char="•"/>
             </a:pPr>
             <a:r>
-              <a:rPr lang="en-US" sz="1600" dirty="0" smtClean="0">
+              <a:rPr lang="en-US" sz="1600" dirty="0">
                 <a:solidFill>
                   <a:schemeClr val="dk1"/>
                 </a:solidFill>
@@ -25406,7 +24599,7 @@
               <a:buChar char="•"/>
             </a:pPr>
             <a:r>
-              <a:rPr lang="en-US" sz="1600" dirty="0" smtClean="0">
+              <a:rPr lang="en-US" sz="1600" dirty="0">
                 <a:solidFill>
                   <a:schemeClr val="dk1"/>
                 </a:solidFill>
@@ -25417,7 +24610,7 @@
               </a:rPr>
               <a:t>Authentication service</a:t>
             </a:r>
-            <a:endParaRPr lang="en-US" sz="1600" b="0" i="0" u="none" strike="noStrike" cap="none" baseline="0" dirty="0" smtClean="0">
+            <a:endParaRPr lang="en-US" sz="1600" b="0" i="0" u="none" strike="noStrike" cap="none" baseline="0" dirty="0">
               <a:solidFill>
                 <a:schemeClr val="dk1"/>
               </a:solidFill>
@@ -25435,7 +24628,7 @@
               <a:buNone/>
             </a:pPr>
             <a:r>
-              <a:rPr lang="en-US" sz="1600" u="sng" dirty="0" smtClean="0">
+              <a:rPr lang="en-US" sz="1600" u="sng" dirty="0">
                 <a:solidFill>
                   <a:schemeClr val="dk1"/>
                 </a:solidFill>
@@ -25466,7 +24659,7 @@
               <a:buChar char="•"/>
             </a:pPr>
             <a:r>
-              <a:rPr lang="en-US" sz="1600" dirty="0" smtClean="0">
+              <a:rPr lang="en-US" sz="1600" dirty="0">
                 <a:solidFill>
                   <a:schemeClr val="dk1"/>
                 </a:solidFill>
@@ -25478,7 +24671,7 @@
               <a:t>Circuit </a:t>
             </a:r>
             <a:r>
-              <a:rPr lang="en-US" sz="1600" b="0" i="0" u="none" strike="noStrike" cap="none" baseline="0" dirty="0" smtClean="0">
+              <a:rPr lang="en-US" sz="1600" b="0" i="0" u="none" strike="noStrike" cap="none" baseline="0" dirty="0">
                 <a:solidFill>
                   <a:schemeClr val="dk1"/>
                 </a:solidFill>
@@ -25503,7 +24696,7 @@
               <a:buChar char="•"/>
             </a:pPr>
             <a:r>
-              <a:rPr lang="en-US" sz="1600" b="0" i="0" u="none" strike="noStrike" cap="none" baseline="0" dirty="0" smtClean="0">
+              <a:rPr lang="en-US" sz="1600" b="0" i="0" u="none" strike="noStrike" cap="none" baseline="0" dirty="0">
                 <a:solidFill>
                   <a:schemeClr val="dk1"/>
                 </a:solidFill>
@@ -25514,15 +24707,6 @@
               </a:rPr>
               <a:t>Service Registry </a:t>
             </a:r>
-            <a:endParaRPr lang="en-US" sz="1600" b="0" i="0" u="none" strike="noStrike" cap="none" baseline="0" dirty="0">
-              <a:solidFill>
-                <a:schemeClr val="dk1"/>
-              </a:solidFill>
-              <a:latin typeface="Arial"/>
-              <a:ea typeface="Calibri"/>
-              <a:cs typeface="Arial"/>
-              <a:sym typeface="Calibri"/>
-            </a:endParaRPr>
           </a:p>
           <a:p>
             <a:pPr marL="228600" marR="0" lvl="0" indent="-228600" algn="l" rtl="0">
@@ -25537,7 +24721,7 @@
               <a:buChar char="•"/>
             </a:pPr>
             <a:r>
-              <a:rPr lang="en-US" sz="1600" b="0" i="0" u="none" strike="noStrike" cap="none" baseline="0" dirty="0" smtClean="0">
+              <a:rPr lang="en-US" sz="1600" b="0" i="0" u="none" strike="noStrike" cap="none" baseline="0" dirty="0">
                 <a:solidFill>
                   <a:schemeClr val="dk1"/>
                 </a:solidFill>
@@ -25548,15 +24732,6 @@
               </a:rPr>
               <a:t>Configuration management</a:t>
             </a:r>
-            <a:endParaRPr lang="en-US" sz="1600" b="0" i="0" u="none" strike="noStrike" cap="none" baseline="0" dirty="0">
-              <a:solidFill>
-                <a:schemeClr val="dk1"/>
-              </a:solidFill>
-              <a:latin typeface="Arial"/>
-              <a:ea typeface="Calibri"/>
-              <a:cs typeface="Arial"/>
-              <a:sym typeface="Calibri"/>
-            </a:endParaRPr>
           </a:p>
           <a:p>
             <a:pPr marL="228600" marR="0" lvl="0" indent="-228600" algn="l" rtl="0">
@@ -25571,7 +24746,7 @@
               <a:buChar char="•"/>
             </a:pPr>
             <a:r>
-              <a:rPr lang="en-US" sz="1600" b="0" i="0" u="none" strike="noStrike" cap="none" baseline="0" dirty="0" err="1" smtClean="0">
+              <a:rPr lang="en-US" sz="1600" b="0" i="0" u="none" strike="noStrike" cap="none" baseline="0" dirty="0" err="1">
                 <a:solidFill>
                   <a:schemeClr val="dk1"/>
                 </a:solidFill>
@@ -25583,7 +24758,7 @@
               <a:t>Redis</a:t>
             </a:r>
             <a:r>
-              <a:rPr lang="en-US" sz="1600" b="0" i="0" u="none" strike="noStrike" cap="none" baseline="0" dirty="0" smtClean="0">
+              <a:rPr lang="en-US" sz="1600" b="0" i="0" u="none" strike="noStrike" cap="none" baseline="0" dirty="0">
                 <a:solidFill>
                   <a:schemeClr val="dk1"/>
                 </a:solidFill>
@@ -25595,7 +24770,7 @@
               <a:t> </a:t>
             </a:r>
             <a:r>
-              <a:rPr lang="en-US" sz="1600" b="0" i="0" u="none" strike="noStrike" cap="none" baseline="0" dirty="0" err="1" smtClean="0">
+              <a:rPr lang="en-US" sz="1600" b="0" i="0" u="none" strike="noStrike" cap="none" baseline="0" dirty="0" err="1">
                 <a:solidFill>
                   <a:schemeClr val="dk1"/>
                 </a:solidFill>
@@ -25607,7 +24782,7 @@
               <a:t>NoSQL</a:t>
             </a:r>
             <a:r>
-              <a:rPr lang="en-US" sz="1600" b="0" i="0" u="none" strike="noStrike" cap="none" baseline="0" dirty="0" smtClean="0">
+              <a:rPr lang="en-US" sz="1600" b="0" i="0" u="none" strike="noStrike" cap="none" baseline="0" dirty="0">
                 <a:solidFill>
                   <a:schemeClr val="dk1"/>
                 </a:solidFill>
@@ -25632,7 +24807,7 @@
               <a:buChar char="•"/>
             </a:pPr>
             <a:r>
-              <a:rPr lang="en-US" sz="1600" dirty="0" err="1" smtClean="0">
+              <a:rPr lang="en-US" sz="1600" dirty="0" err="1">
                 <a:solidFill>
                   <a:schemeClr val="dk1"/>
                 </a:solidFill>
@@ -25644,7 +24819,7 @@
               <a:t>RabbitMQ</a:t>
             </a:r>
             <a:r>
-              <a:rPr lang="en-US" sz="1600" dirty="0" smtClean="0">
+              <a:rPr lang="en-US" sz="1600" dirty="0">
                 <a:solidFill>
                   <a:schemeClr val="dk1"/>
                 </a:solidFill>
@@ -25655,7 +24830,7 @@
               </a:rPr>
               <a:t> Messaging</a:t>
             </a:r>
-            <a:endParaRPr lang="en-US" sz="1600" b="0" i="0" u="none" strike="noStrike" cap="none" baseline="0" dirty="0" smtClean="0">
+            <a:endParaRPr lang="en-US" sz="1600" b="0" i="0" u="none" strike="noStrike" cap="none" baseline="0" dirty="0">
               <a:solidFill>
                 <a:schemeClr val="dk1"/>
               </a:solidFill>
@@ -25689,11 +24864,11 @@
           <a:p>
             <a:pPr lvl="0"/>
             <a:r>
-              <a:rPr lang="en-US" dirty="0" smtClean="0"/>
+              <a:rPr lang="en-US" dirty="0"/>
               <a:t>Demo Time</a:t>
             </a:r>
             <a:br>
-              <a:rPr lang="en-US" dirty="0" smtClean="0"/>
+              <a:rPr lang="en-US" dirty="0"/>
             </a:br>
             <a:r>
               <a:rPr lang="en-US" dirty="0"/>
@@ -25704,28 +24879,28 @@
       </p:sp>
       <p:pic>
         <p:nvPicPr>
-          <p:cNvPr id="3" name="Picture 2" descr="SFDC Spring Cloud App Architecture V2 - SFDC Flow.png"/>
+          <p:cNvPr id="5" name="Picture 4" descr="A screenshot of a cell phone&#10;&#10;Description automatically generated">
+            <a:extLst>
+              <a:ext uri="{FF2B5EF4-FFF2-40B4-BE49-F238E27FC236}">
+                <a16:creationId xmlns:a16="http://schemas.microsoft.com/office/drawing/2014/main" id="{24C27404-92E7-2546-A01F-D2F1D0601E26}"/>
+              </a:ext>
+            </a:extLst>
+          </p:cNvPr>
           <p:cNvPicPr>
             <a:picLocks noChangeAspect="1"/>
           </p:cNvPicPr>
           <p:nvPr/>
         </p:nvPicPr>
         <p:blipFill>
-          <a:blip r:embed="rId3">
-            <a:extLst>
-              <a:ext uri="{28A0092B-C50C-407E-A947-70E740481C1C}">
-                <a14:useLocalDpi xmlns:a14="http://schemas.microsoft.com/office/drawing/2010/main" val="0"/>
-              </a:ext>
-            </a:extLst>
-          </a:blip>
+          <a:blip r:embed="rId3"/>
           <a:stretch>
             <a:fillRect/>
           </a:stretch>
         </p:blipFill>
         <p:spPr>
           <a:xfrm>
-            <a:off x="3785417" y="0"/>
-            <a:ext cx="5320862" cy="5143500"/>
+            <a:off x="3519692" y="0"/>
+            <a:ext cx="5623059" cy="5143500"/>
           </a:xfrm>
           <a:prstGeom prst="rect">
             <a:avLst/>
@@ -25742,21 +24917,6 @@
   <p:clrMapOvr>
     <a:masterClrMapping/>
   </p:clrMapOvr>
-  <mc:AlternateContent xmlns:mc="http://schemas.openxmlformats.org/markup-compatibility/2006" xmlns:p14="http://schemas.microsoft.com/office/powerpoint/2010/main">
-    <mc:Choice Requires="p14">
-      <p:transition p14:dur="0"/>
-    </mc:Choice>
-    <mc:Fallback xmlns="">
-      <p:transition xmlns:p14="http://schemas.microsoft.com/office/powerpoint/2010/main"/>
-    </mc:Fallback>
-  </mc:AlternateContent>
-  <p:timing>
-    <p:tnLst>
-      <p:par>
-        <p:cTn xmlns:p14="http://schemas.microsoft.com/office/powerpoint/2010/main" id="1" dur="indefinite" restart="never" nodeType="tmRoot"/>
-      </p:par>
-    </p:tnLst>
-  </p:timing>
 </p:sld>
 </file>
 
@@ -25799,7 +24959,7 @@
           <a:effectLst/>
           <a:extLst>
             <a:ext uri="{C572A759-6A51-4108-AA02-DFA0A04FC94B}">
-              <ma14:wrappingTextBoxFlag xmlns:ma14="http://schemas.microsoft.com/office/mac/drawingml/2011/main" val="1"/>
+              <ma14:wrappingTextBoxFlag xmlns:ma14="http://schemas.microsoft.com/office/mac/drawingml/2011/main" xmlns="" val="1"/>
             </a:ext>
           </a:extLst>
         </p:spPr>
@@ -25818,7 +24978,7 @@
               </a:defRPr>
             </a:pPr>
             <a:r>
-              <a:rPr lang="en-US" sz="1400" b="1" dirty="0" smtClean="0">
+              <a:rPr lang="en-US" sz="1400" b="1" dirty="0">
                 <a:solidFill>
                   <a:srgbClr val="000000"/>
                 </a:solidFill>
@@ -25845,7 +25005,7 @@
               </a:defRPr>
             </a:pPr>
             <a:r>
-              <a:rPr lang="en-US" sz="1400" b="1" dirty="0" smtClean="0">
+              <a:rPr lang="en-US" sz="1400" b="1" dirty="0">
                 <a:solidFill>
                   <a:srgbClr val="000000"/>
                 </a:solidFill>
@@ -25977,7 +25137,7 @@
             <a:effectLst/>
             <a:extLst>
               <a:ext uri="{C572A759-6A51-4108-AA02-DFA0A04FC94B}">
-                <ma14:wrappingTextBoxFlag xmlns:ma14="http://schemas.microsoft.com/office/mac/drawingml/2011/main" val="1"/>
+                <ma14:wrappingTextBoxFlag xmlns:ma14="http://schemas.microsoft.com/office/mac/drawingml/2011/main" xmlns="" val="1"/>
               </a:ext>
             </a:extLst>
           </p:spPr>
@@ -25996,7 +25156,7 @@
                 </a:defRPr>
               </a:pPr>
               <a:r>
-                <a:rPr sz="1400" b="1" dirty="0" smtClean="0">
+                <a:rPr sz="1400" b="1" dirty="0">
                   <a:solidFill>
                     <a:srgbClr val="000000"/>
                   </a:solidFill>
@@ -26012,20 +25172,6 @@
                 </a:rPr>
                 <a:t>Config Server</a:t>
               </a:r>
-              <a:endParaRPr sz="1400" b="1" dirty="0">
-                <a:solidFill>
-                  <a:srgbClr val="000000"/>
-                </a:solidFill>
-                <a:uFill>
-                  <a:solidFill>
-                    <a:srgbClr val="4D4D4D"/>
-                  </a:solidFill>
-                </a:uFill>
-                <a:latin typeface="FreightSans Pro Medium"/>
-                <a:ea typeface="Avenir Next Regular"/>
-                <a:cs typeface="FreightSans Pro Medium"/>
-                <a:sym typeface="Avenir Next Regular"/>
-              </a:endParaRPr>
             </a:p>
           </p:txBody>
         </p:sp>
@@ -26099,7 +25245,7 @@
             <a:effectLst/>
             <a:extLst>
               <a:ext uri="{C572A759-6A51-4108-AA02-DFA0A04FC94B}">
-                <ma14:wrappingTextBoxFlag xmlns:ma14="http://schemas.microsoft.com/office/mac/drawingml/2011/main" val="1"/>
+                <ma14:wrappingTextBoxFlag xmlns:ma14="http://schemas.microsoft.com/office/mac/drawingml/2011/main" xmlns="" val="1"/>
               </a:ext>
             </a:extLst>
           </p:spPr>
@@ -26118,7 +25264,7 @@
                 </a:defRPr>
               </a:pPr>
               <a:r>
-                <a:rPr sz="1400" b="1" dirty="0" smtClean="0">
+                <a:rPr sz="1400" b="1" dirty="0">
                   <a:solidFill>
                     <a:srgbClr val="000000"/>
                   </a:solidFill>
@@ -26134,20 +25280,6 @@
                 </a:rPr>
                 <a:t>Service Registry</a:t>
               </a:r>
-              <a:endParaRPr sz="1400" b="1" dirty="0">
-                <a:solidFill>
-                  <a:srgbClr val="000000"/>
-                </a:solidFill>
-                <a:uFill>
-                  <a:solidFill>
-                    <a:srgbClr val="4D4D4D"/>
-                  </a:solidFill>
-                </a:uFill>
-                <a:latin typeface="FreightSans Pro Medium"/>
-                <a:ea typeface="Avenir Next Regular"/>
-                <a:cs typeface="FreightSans Pro Medium"/>
-                <a:sym typeface="Avenir Next Regular"/>
-              </a:endParaRPr>
             </a:p>
           </p:txBody>
         </p:sp>
@@ -26221,7 +25353,7 @@
             <a:effectLst/>
             <a:extLst>
               <a:ext uri="{C572A759-6A51-4108-AA02-DFA0A04FC94B}">
-                <ma14:wrappingTextBoxFlag xmlns:ma14="http://schemas.microsoft.com/office/mac/drawingml/2011/main" val="1"/>
+                <ma14:wrappingTextBoxFlag xmlns:ma14="http://schemas.microsoft.com/office/mac/drawingml/2011/main" xmlns="" val="1"/>
               </a:ext>
             </a:extLst>
           </p:spPr>
@@ -26240,23 +25372,6 @@
                 </a:defRPr>
               </a:pPr>
               <a:r>
-                <a:rPr sz="1400" b="1" dirty="0" smtClean="0">
-                  <a:solidFill>
-                    <a:srgbClr val="000000"/>
-                  </a:solidFill>
-                  <a:uFill>
-                    <a:solidFill>
-                      <a:srgbClr val="4D4D4D"/>
-                    </a:solidFill>
-                  </a:uFill>
-                  <a:latin typeface="FreightSans Pro Medium"/>
-                  <a:ea typeface="Avenir Next Regular"/>
-                  <a:cs typeface="FreightSans Pro Medium"/>
-                  <a:sym typeface="Avenir Next Regular"/>
-                </a:rPr>
-                <a:t>Circuit </a:t>
-              </a:r>
-              <a:r>
                 <a:rPr sz="1400" b="1" dirty="0">
                   <a:solidFill>
                     <a:srgbClr val="000000"/>
@@ -26271,39 +25386,8 @@
                   <a:cs typeface="FreightSans Pro Medium"/>
                   <a:sym typeface="Avenir Next Regular"/>
                 </a:rPr>
-                <a:t>Breaker </a:t>
+                <a:t>Circuit Breaker Dashboard</a:t>
               </a:r>
-              <a:r>
-                <a:rPr sz="1400" b="1" dirty="0" smtClean="0">
-                  <a:solidFill>
-                    <a:srgbClr val="000000"/>
-                  </a:solidFill>
-                  <a:uFill>
-                    <a:solidFill>
-                      <a:srgbClr val="4D4D4D"/>
-                    </a:solidFill>
-                  </a:uFill>
-                  <a:latin typeface="FreightSans Pro Medium"/>
-                  <a:ea typeface="Avenir Next Regular"/>
-                  <a:cs typeface="FreightSans Pro Medium"/>
-                  <a:sym typeface="Avenir Next Regular"/>
-                </a:rPr>
-                <a:t>Dashboard</a:t>
-              </a:r>
-              <a:endParaRPr sz="1400" b="1" dirty="0">
-                <a:solidFill>
-                  <a:srgbClr val="000000"/>
-                </a:solidFill>
-                <a:uFill>
-                  <a:solidFill>
-                    <a:srgbClr val="4D4D4D"/>
-                  </a:solidFill>
-                </a:uFill>
-                <a:latin typeface="FreightSans Pro Medium"/>
-                <a:ea typeface="Avenir Next Regular"/>
-                <a:cs typeface="FreightSans Pro Medium"/>
-                <a:sym typeface="Avenir Next Regular"/>
-              </a:endParaRPr>
             </a:p>
           </p:txBody>
         </p:sp>
@@ -26386,7 +25470,7 @@
           </a:lstStyle>
           <a:p>
             <a:r>
-              <a:rPr lang="en-US" sz="3200" dirty="0" smtClean="0">
+              <a:rPr lang="en-US" sz="3200" dirty="0">
                 <a:solidFill>
                   <a:schemeClr val="accent1"/>
                 </a:solidFill>
@@ -26419,18 +25503,9 @@
           <a:lstStyle/>
           <a:p>
             <a:r>
-              <a:rPr lang="en-US" sz="2400" dirty="0" smtClean="0"/>
-              <a:t>How to build reliable Cloud Native systems </a:t>
+              <a:rPr lang="en-US" sz="2400" dirty="0"/>
+              <a:t>How to build reliable Cloud Native systems from unreliable components?</a:t>
             </a:r>
-            <a:r>
-              <a:rPr lang="en-US" sz="2400" dirty="0"/>
-              <a:t>from unreliable </a:t>
-            </a:r>
-            <a:r>
-              <a:rPr lang="en-US" sz="2400" dirty="0" smtClean="0"/>
-              <a:t>components?</a:t>
-            </a:r>
-            <a:endParaRPr lang="en-US" sz="2400" dirty="0"/>
           </a:p>
         </p:txBody>
       </p:sp>
@@ -26444,21 +25519,6 @@
   <p:clrMapOvr>
     <a:masterClrMapping/>
   </p:clrMapOvr>
-  <mc:AlternateContent xmlns:mc="http://schemas.openxmlformats.org/markup-compatibility/2006" xmlns:p14="http://schemas.microsoft.com/office/powerpoint/2010/main">
-    <mc:Choice Requires="p14">
-      <p:transition p14:dur="0"/>
-    </mc:Choice>
-    <mc:Fallback xmlns="">
-      <p:transition xmlns:p14="http://schemas.microsoft.com/office/powerpoint/2010/main"/>
-    </mc:Fallback>
-  </mc:AlternateContent>
-  <p:timing>
-    <p:tnLst>
-      <p:par>
-        <p:cTn xmlns:p14="http://schemas.microsoft.com/office/powerpoint/2010/main" id="1" dur="indefinite" restart="never" nodeType="tmRoot"/>
-      </p:par>
-    </p:tnLst>
-  </p:timing>
 </p:sld>
 </file>
 
@@ -26479,34 +25539,6 @@
           <a:chExt cx="0" cy="0"/>
         </a:xfrm>
       </p:grpSpPr>
-      <p:sp>
-        <p:nvSpPr>
-          <p:cNvPr id="2" name="Title 1"/>
-          <p:cNvSpPr>
-            <a:spLocks noGrp="1"/>
-          </p:cNvSpPr>
-          <p:nvPr>
-            <p:ph type="title"/>
-          </p:nvPr>
-        </p:nvSpPr>
-        <p:spPr/>
-        <p:txBody>
-          <a:bodyPr/>
-          <a:lstStyle/>
-          <a:p>
-            <a:pPr algn="l"/>
-            <a:r>
-              <a:rPr lang="en-US" dirty="0" err="1" smtClean="0"/>
-              <a:t>Config</a:t>
-            </a:r>
-            <a:r>
-              <a:rPr lang="en-US" dirty="0" smtClean="0"/>
-              <a:t> Server</a:t>
-            </a:r>
-            <a:endParaRPr lang="en-US" dirty="0"/>
-          </a:p>
-        </p:txBody>
-      </p:sp>
       <p:sp>
         <p:nvSpPr>
           <p:cNvPr id="3" name="Slide Number Placeholder 2"/>
@@ -26532,9 +25564,15 @@
       </p:sp>
       <p:pic>
         <p:nvPicPr>
-          <p:cNvPr id="4" name="Picture 3" descr="SFDC Spring Cloud App Architecture V2 - New Page 2.png"/>
+          <p:cNvPr id="1026" name="Picture 2">
+            <a:extLst>
+              <a:ext uri="{FF2B5EF4-FFF2-40B4-BE49-F238E27FC236}">
+                <a16:creationId xmlns:a16="http://schemas.microsoft.com/office/drawing/2014/main" id="{69515040-E862-FC45-95E2-E2E9F4C7D993}"/>
+              </a:ext>
+            </a:extLst>
+          </p:cNvPr>
           <p:cNvPicPr>
-            <a:picLocks noChangeAspect="1"/>
+            <a:picLocks noChangeAspect="1" noChangeArrowheads="1"/>
           </p:cNvPicPr>
           <p:nvPr/>
         </p:nvPicPr>
@@ -26546,20 +25584,58 @@
               </a:ext>
             </a:extLst>
           </a:blip>
+          <a:srcRect/>
           <a:stretch>
             <a:fillRect/>
           </a:stretch>
         </p:blipFill>
-        <p:spPr>
+        <p:spPr bwMode="auto">
           <a:xfrm>
-            <a:off x="0" y="0"/>
-            <a:ext cx="9144000" cy="3807414"/>
+            <a:off x="0" y="-17804"/>
+            <a:ext cx="9144000" cy="3867150"/>
           </a:xfrm>
           <a:prstGeom prst="rect">
             <a:avLst/>
           </a:prstGeom>
+          <a:noFill/>
+          <a:extLst>
+            <a:ext uri="{909E8E84-426E-40DD-AFC4-6F175D3DCCD1}">
+              <a14:hiddenFill xmlns:a14="http://schemas.microsoft.com/office/drawing/2010/main">
+                <a:solidFill>
+                  <a:srgbClr val="FFFFFF"/>
+                </a:solidFill>
+              </a14:hiddenFill>
+            </a:ext>
+          </a:extLst>
         </p:spPr>
       </p:pic>
+      <p:sp>
+        <p:nvSpPr>
+          <p:cNvPr id="2" name="Title 1"/>
+          <p:cNvSpPr>
+            <a:spLocks noGrp="1"/>
+          </p:cNvSpPr>
+          <p:nvPr>
+            <p:ph type="title"/>
+          </p:nvPr>
+        </p:nvSpPr>
+        <p:spPr/>
+        <p:txBody>
+          <a:bodyPr/>
+          <a:lstStyle/>
+          <a:p>
+            <a:pPr algn="l"/>
+            <a:r>
+              <a:rPr lang="en-US" dirty="0" err="1"/>
+              <a:t>Config</a:t>
+            </a:r>
+            <a:r>
+              <a:rPr lang="en-US" dirty="0"/>
+              <a:t> Server</a:t>
+            </a:r>
+          </a:p>
+        </p:txBody>
+      </p:sp>
       <p:sp>
         <p:nvSpPr>
           <p:cNvPr id="5" name="TextBox 4"/>
@@ -26587,7 +25663,7 @@
               <a:buChar char="•"/>
             </a:pPr>
             <a:r>
-              <a:rPr lang="en-US" sz="1400" dirty="0" smtClean="0"/>
+              <a:rPr lang="en-US" sz="1400" dirty="0"/>
               <a:t>Centralized Configurations</a:t>
             </a:r>
           </a:p>
@@ -26597,7 +25673,7 @@
               <a:buChar char="•"/>
             </a:pPr>
             <a:r>
-              <a:rPr lang="en-US" sz="1400" dirty="0" smtClean="0"/>
+              <a:rPr lang="en-US" sz="1400" dirty="0"/>
               <a:t>Integrates with SCM to provide non-repudiation audit and version control of configuration for easy roll-back</a:t>
             </a:r>
           </a:p>
@@ -26607,7 +25683,7 @@
               <a:buChar char="•"/>
             </a:pPr>
             <a:r>
-              <a:rPr lang="en-US" sz="1400" dirty="0" smtClean="0"/>
+              <a:rPr lang="en-US" sz="1400" dirty="0"/>
               <a:t>Supports for Data at Rest encryption</a:t>
             </a:r>
           </a:p>
@@ -26617,10 +25693,9 @@
               <a:buChar char="•"/>
             </a:pPr>
             <a:r>
-              <a:rPr lang="en-US" sz="1400" dirty="0" smtClean="0"/>
+              <a:rPr lang="en-US" sz="1400" dirty="0"/>
               <a:t>Support for on-demand/push notification configuration refresh without application restart</a:t>
             </a:r>
-            <a:endParaRPr lang="en-US" sz="1400" dirty="0"/>
           </a:p>
         </p:txBody>
       </p:sp>
@@ -26634,21 +25709,6 @@
   <p:clrMapOvr>
     <a:masterClrMapping/>
   </p:clrMapOvr>
-  <mc:AlternateContent xmlns:mc="http://schemas.openxmlformats.org/markup-compatibility/2006" xmlns:p14="http://schemas.microsoft.com/office/powerpoint/2010/main">
-    <mc:Choice Requires="p14">
-      <p:transition p14:dur="0"/>
-    </mc:Choice>
-    <mc:Fallback xmlns="">
-      <p:transition xmlns:p14="http://schemas.microsoft.com/office/powerpoint/2010/main"/>
-    </mc:Fallback>
-  </mc:AlternateContent>
-  <p:timing>
-    <p:tnLst>
-      <p:par>
-        <p:cTn xmlns:p14="http://schemas.microsoft.com/office/powerpoint/2010/main" id="1" dur="indefinite" restart="never" nodeType="tmRoot"/>
-      </p:par>
-    </p:tnLst>
-  </p:timing>
 </p:sld>
 </file>
 
@@ -26685,10 +25745,9 @@
           <a:lstStyle/>
           <a:p>
             <a:r>
-              <a:rPr lang="en-US" dirty="0" smtClean="0"/>
+              <a:rPr lang="en-US" dirty="0"/>
               <a:t>Service Registry</a:t>
             </a:r>
-            <a:endParaRPr lang="en-US" dirty="0"/>
           </a:p>
         </p:txBody>
       </p:sp>
@@ -26749,7 +25808,7 @@
               <a:buChar char="•"/>
             </a:pPr>
             <a:r>
-              <a:rPr lang="en-US" dirty="0" smtClean="0"/>
+              <a:rPr lang="en-US" dirty="0"/>
               <a:t>How does each micro-services discovers each other?</a:t>
             </a:r>
           </a:p>
@@ -26759,10 +25818,9 @@
               <a:buChar char="•"/>
             </a:pPr>
             <a:r>
-              <a:rPr lang="en-US" dirty="0" smtClean="0"/>
+              <a:rPr lang="en-US" dirty="0"/>
               <a:t>What information is provided during discovery?</a:t>
             </a:r>
-            <a:endParaRPr lang="en-US" dirty="0"/>
           </a:p>
         </p:txBody>
       </p:sp>
@@ -26776,21 +25834,6 @@
   <p:clrMapOvr>
     <a:masterClrMapping/>
   </p:clrMapOvr>
-  <mc:AlternateContent xmlns:mc="http://schemas.openxmlformats.org/markup-compatibility/2006" xmlns:p14="http://schemas.microsoft.com/office/powerpoint/2010/main">
-    <mc:Choice Requires="p14">
-      <p:transition p14:dur="0"/>
-    </mc:Choice>
-    <mc:Fallback xmlns="">
-      <p:transition xmlns:p14="http://schemas.microsoft.com/office/powerpoint/2010/main"/>
-    </mc:Fallback>
-  </mc:AlternateContent>
-  <p:timing>
-    <p:tnLst>
-      <p:par>
-        <p:cTn xmlns:p14="http://schemas.microsoft.com/office/powerpoint/2010/main" id="1" dur="indefinite" restart="never" nodeType="tmRoot"/>
-      </p:par>
-    </p:tnLst>
-  </p:timing>
 </p:sld>
 </file>
 
@@ -26827,10 +25870,9 @@
           <a:lstStyle/>
           <a:p>
             <a:r>
-              <a:rPr lang="en-US" dirty="0" smtClean="0"/>
+              <a:rPr lang="en-US" dirty="0"/>
               <a:t>Circuit Breaker</a:t>
             </a:r>
-            <a:endParaRPr lang="en-US" dirty="0"/>
           </a:p>
         </p:txBody>
       </p:sp>
@@ -26861,7 +25903,7 @@
               <a:buChar char="•"/>
             </a:pPr>
             <a:r>
-              <a:rPr lang="en-US" sz="2000" dirty="0" smtClean="0"/>
+              <a:rPr lang="en-US" sz="2000" dirty="0"/>
               <a:t>What happens if external router is down??</a:t>
             </a:r>
           </a:p>
@@ -26871,18 +25913,17 @@
               <a:buChar char="•"/>
             </a:pPr>
             <a:r>
-              <a:rPr lang="en-US" sz="2000" dirty="0" smtClean="0"/>
+              <a:rPr lang="en-US" sz="2000" dirty="0"/>
               <a:t>Or what happens to your app when </a:t>
             </a:r>
             <a:r>
-              <a:rPr lang="en-US" sz="2000" dirty="0" err="1" smtClean="0"/>
+              <a:rPr lang="en-US" sz="2000" dirty="0" err="1"/>
               <a:t>Salesforce.com</a:t>
             </a:r>
             <a:r>
-              <a:rPr lang="en-US" sz="2000" dirty="0" smtClean="0"/>
+              <a:rPr lang="en-US" sz="2000" dirty="0"/>
               <a:t> has schedule maintenance??</a:t>
             </a:r>
-            <a:endParaRPr lang="en-US" sz="2000" dirty="0"/>
           </a:p>
         </p:txBody>
       </p:sp>
@@ -26926,21 +25967,6 @@
   <p:clrMapOvr>
     <a:masterClrMapping/>
   </p:clrMapOvr>
-  <mc:AlternateContent xmlns:mc="http://schemas.openxmlformats.org/markup-compatibility/2006" xmlns:p14="http://schemas.microsoft.com/office/powerpoint/2010/main">
-    <mc:Choice Requires="p14">
-      <p:transition p14:dur="0"/>
-    </mc:Choice>
-    <mc:Fallback xmlns="">
-      <p:transition xmlns:p14="http://schemas.microsoft.com/office/powerpoint/2010/main"/>
-    </mc:Fallback>
-  </mc:AlternateContent>
-  <p:timing>
-    <p:tnLst>
-      <p:par>
-        <p:cTn xmlns:p14="http://schemas.microsoft.com/office/powerpoint/2010/main" id="1" dur="indefinite" restart="never" nodeType="tmRoot"/>
-      </p:par>
-    </p:tnLst>
-  </p:timing>
 </p:sld>
 </file>
 
@@ -26977,10 +26003,9 @@
           <a:lstStyle/>
           <a:p>
             <a:r>
-              <a:rPr lang="en-US" dirty="0" smtClean="0"/>
+              <a:rPr lang="en-US" dirty="0"/>
               <a:t>Circuit Breaker</a:t>
             </a:r>
-            <a:endParaRPr lang="en-US" dirty="0"/>
           </a:p>
         </p:txBody>
       </p:sp>
@@ -27011,7 +26036,7 @@
               <a:buChar char="•"/>
             </a:pPr>
             <a:r>
-              <a:rPr lang="en-US" sz="2000" dirty="0" smtClean="0"/>
+              <a:rPr lang="en-US" sz="2000" dirty="0"/>
               <a:t>What happens if external router is down??</a:t>
             </a:r>
           </a:p>
@@ -27021,15 +26046,15 @@
               <a:buChar char="•"/>
             </a:pPr>
             <a:r>
-              <a:rPr lang="en-US" sz="2000" dirty="0" smtClean="0"/>
+              <a:rPr lang="en-US" sz="2000" dirty="0"/>
               <a:t>Or what happens to your app when </a:t>
             </a:r>
             <a:r>
-              <a:rPr lang="en-US" sz="2000" dirty="0" err="1" smtClean="0"/>
+              <a:rPr lang="en-US" sz="2000" dirty="0" err="1"/>
               <a:t>Salesforce.com</a:t>
             </a:r>
             <a:r>
-              <a:rPr lang="en-US" sz="2000" dirty="0" smtClean="0"/>
+              <a:rPr lang="en-US" sz="2000" dirty="0"/>
               <a:t> has schedule maintenance??</a:t>
             </a:r>
           </a:p>
@@ -27039,10 +26064,9 @@
               <a:buChar char="•"/>
             </a:pPr>
             <a:r>
-              <a:rPr lang="en-US" sz="2000" dirty="0" smtClean="0"/>
+              <a:rPr lang="en-US" sz="2000" dirty="0"/>
               <a:t>Or one of the service is miss-behaving or down??</a:t>
             </a:r>
-            <a:endParaRPr lang="en-US" sz="2000" dirty="0"/>
           </a:p>
         </p:txBody>
       </p:sp>
@@ -27086,21 +26110,6 @@
   <p:clrMapOvr>
     <a:masterClrMapping/>
   </p:clrMapOvr>
-  <mc:AlternateContent xmlns:mc="http://schemas.openxmlformats.org/markup-compatibility/2006" xmlns:p14="http://schemas.microsoft.com/office/powerpoint/2010/main">
-    <mc:Choice Requires="p14">
-      <p:transition p14:dur="0"/>
-    </mc:Choice>
-    <mc:Fallback xmlns="">
-      <p:transition xmlns:p14="http://schemas.microsoft.com/office/powerpoint/2010/main"/>
-    </mc:Fallback>
-  </mc:AlternateContent>
-  <p:timing>
-    <p:tnLst>
-      <p:par>
-        <p:cTn xmlns:p14="http://schemas.microsoft.com/office/powerpoint/2010/main" id="1" dur="indefinite" restart="never" nodeType="tmRoot"/>
-      </p:par>
-    </p:tnLst>
-  </p:timing>
 </p:sld>
 </file>
 
@@ -27173,20 +26182,8 @@
               </a:rPr>
               <a:t>Looking to incubate </a:t>
             </a:r>
-            <a:r>
-              <a:rPr lang="en-US" sz="3000" b="1" i="0" u="none" strike="noStrike" cap="none" baseline="0" dirty="0" smtClean="0">
-                <a:solidFill>
-                  <a:srgbClr val="008774"/>
-                </a:solidFill>
-                <a:latin typeface="Arial"/>
-                <a:ea typeface="Calibri"/>
-                <a:cs typeface="Arial"/>
-                <a:sym typeface="Calibri"/>
-              </a:rPr>
-              <a:t/>
-            </a:r>
             <a:br>
-              <a:rPr lang="en-US" sz="3000" b="1" i="0" u="none" strike="noStrike" cap="none" baseline="0" dirty="0" smtClean="0">
+              <a:rPr lang="en-US" sz="3000" b="1" i="0" u="none" strike="noStrike" cap="none" baseline="0" dirty="0">
                 <a:solidFill>
                   <a:srgbClr val="008774"/>
                 </a:solidFill>
@@ -27197,7 +26194,7 @@
               </a:rPr>
             </a:br>
             <a:r>
-              <a:rPr lang="en-US" sz="3000" b="1" i="0" u="none" strike="noStrike" cap="none" baseline="0" dirty="0" smtClean="0">
+              <a:rPr lang="en-US" sz="3000" b="1" i="0" u="none" strike="noStrike" cap="none" baseline="0" dirty="0">
                 <a:solidFill>
                   <a:srgbClr val="008774"/>
                 </a:solidFill>
@@ -27206,34 +26203,10 @@
                 <a:cs typeface="Arial"/>
                 <a:sym typeface="Calibri"/>
               </a:rPr>
-              <a:t>a </a:t>
-            </a:r>
-            <a:r>
-              <a:rPr lang="en-US" sz="3000" b="1" i="0" u="none" strike="noStrike" cap="none" baseline="0" dirty="0">
-                <a:solidFill>
-                  <a:srgbClr val="008774"/>
-                </a:solidFill>
-                <a:latin typeface="Arial"/>
-                <a:ea typeface="Calibri"/>
-                <a:cs typeface="Arial"/>
-                <a:sym typeface="Calibri"/>
-              </a:rPr>
-              <a:t>cloud native </a:t>
-            </a:r>
-            <a:r>
-              <a:rPr lang="en-US" sz="3000" b="1" i="0" u="none" strike="noStrike" cap="none" baseline="0" dirty="0" smtClean="0">
-                <a:solidFill>
-                  <a:srgbClr val="008774"/>
-                </a:solidFill>
-                <a:latin typeface="Arial"/>
-                <a:ea typeface="Calibri"/>
-                <a:cs typeface="Arial"/>
-                <a:sym typeface="Calibri"/>
-              </a:rPr>
-              <a:t/>
+              <a:t>a cloud native </a:t>
             </a:r>
             <a:br>
-              <a:rPr lang="en-US" sz="3000" b="1" i="0" u="none" strike="noStrike" cap="none" baseline="0" dirty="0" smtClean="0">
+              <a:rPr lang="en-US" sz="3000" b="1" i="0" u="none" strike="noStrike" cap="none" baseline="0" dirty="0">
                 <a:solidFill>
                   <a:srgbClr val="008774"/>
                 </a:solidFill>
@@ -27244,7 +26217,7 @@
               </a:rPr>
             </a:br>
             <a:r>
-              <a:rPr lang="en-US" sz="3000" b="1" i="0" u="none" strike="noStrike" cap="none" baseline="0" dirty="0" smtClean="0">
+              <a:rPr lang="en-US" sz="3000" b="1" i="0" u="none" strike="noStrike" cap="none" baseline="0" dirty="0">
                 <a:solidFill>
                   <a:srgbClr val="008774"/>
                 </a:solidFill>
@@ -27253,19 +26226,7 @@
                 <a:cs typeface="Arial"/>
                 <a:sym typeface="Calibri"/>
               </a:rPr>
-              <a:t>application </a:t>
-            </a:r>
-            <a:r>
-              <a:rPr lang="en-US" sz="3000" b="1" i="0" u="none" strike="noStrike" cap="none" baseline="0" dirty="0">
-                <a:solidFill>
-                  <a:srgbClr val="008774"/>
-                </a:solidFill>
-                <a:latin typeface="Arial"/>
-                <a:ea typeface="Calibri"/>
-                <a:cs typeface="Arial"/>
-                <a:sym typeface="Calibri"/>
-              </a:rPr>
-              <a:t>model?</a:t>
+              <a:t>application model?</a:t>
             </a:r>
           </a:p>
         </p:txBody>
@@ -27337,7 +26298,7 @@
               <a:buNone/>
             </a:pPr>
             <a:r>
-              <a:rPr lang="en-US" sz="2200" b="0" i="0" u="none" strike="noStrike" cap="none" baseline="0" dirty="0" smtClean="0">
+              <a:rPr lang="en-US" sz="2200" b="0" i="0" u="none" strike="noStrike" cap="none" baseline="0" dirty="0">
                 <a:solidFill>
                   <a:schemeClr val="dk1"/>
                 </a:solidFill>
@@ -27349,7 +26310,7 @@
               <a:t>Complementary</a:t>
             </a:r>
             <a:r>
-              <a:rPr lang="en-US" sz="2200" b="0" i="0" u="none" strike="noStrike" cap="none" dirty="0" smtClean="0">
+              <a:rPr lang="en-US" sz="2200" b="0" i="0" u="none" strike="noStrike" cap="none" dirty="0">
                 <a:solidFill>
                   <a:schemeClr val="dk1"/>
                 </a:solidFill>
@@ -27361,7 +26322,7 @@
               <a:t> </a:t>
             </a:r>
             <a:r>
-              <a:rPr lang="en-US" sz="2200" b="0" i="0" u="none" strike="noStrike" cap="none" baseline="0" dirty="0" smtClean="0">
+              <a:rPr lang="en-US" sz="2200" b="0" i="0" u="none" strike="noStrike" cap="none" baseline="0" dirty="0">
                 <a:solidFill>
                   <a:schemeClr val="dk1"/>
                 </a:solidFill>
@@ -27389,7 +26350,7 @@
               <a:buNone/>
             </a:pPr>
             <a:r>
-              <a:rPr lang="en-US" sz="2200" b="0" i="0" u="sng" strike="noStrike" cap="none" baseline="0" dirty="0" smtClean="0">
+              <a:rPr lang="en-US" sz="2200" b="0" i="0" u="sng" strike="noStrike" cap="none" baseline="0" dirty="0">
                 <a:solidFill>
                   <a:schemeClr val="hlink"/>
                 </a:solidFill>
@@ -27399,20 +26360,7 @@
                 <a:sym typeface="Calibri"/>
                 <a:hlinkClick r:id="rId4"/>
               </a:rPr>
-              <a:t>http</a:t>
-            </a:r>
-            <a:r>
-              <a:rPr lang="en-US" sz="2200" b="0" i="0" u="sng" strike="noStrike" cap="none" baseline="0" dirty="0">
-                <a:solidFill>
-                  <a:schemeClr val="hlink"/>
-                </a:solidFill>
-                <a:latin typeface="Arial"/>
-                <a:ea typeface="Calibri"/>
-                <a:cs typeface="Arial"/>
-                <a:sym typeface="Calibri"/>
-                <a:hlinkClick r:id="rId4"/>
-              </a:rPr>
-              <a:t>://bit.ly/cloud-native-book</a:t>
+              <a:t>http://bit.ly/cloud-native-book</a:t>
             </a:r>
           </a:p>
         </p:txBody>
@@ -27605,21 +26553,6 @@
   <p:clrMapOvr>
     <a:masterClrMapping/>
   </p:clrMapOvr>
-  <mc:AlternateContent xmlns:mc="http://schemas.openxmlformats.org/markup-compatibility/2006" xmlns:p14="http://schemas.microsoft.com/office/powerpoint/2010/main">
-    <mc:Choice Requires="p14">
-      <p:transition p14:dur="0"/>
-    </mc:Choice>
-    <mc:Fallback xmlns="">
-      <p:transition xmlns:p14="http://schemas.microsoft.com/office/powerpoint/2010/main"/>
-    </mc:Fallback>
-  </mc:AlternateContent>
-  <p:timing>
-    <p:tnLst>
-      <p:par>
-        <p:cTn xmlns:p14="http://schemas.microsoft.com/office/powerpoint/2010/main" id="1" dur="indefinite" restart="never" nodeType="tmRoot"/>
-      </p:par>
-    </p:tnLst>
-  </p:timing>
 </p:sld>
 </file>
 
@@ -27788,21 +26721,6 @@
   <p:clrMapOvr>
     <a:masterClrMapping/>
   </p:clrMapOvr>
-  <mc:AlternateContent xmlns:mc="http://schemas.openxmlformats.org/markup-compatibility/2006" xmlns:p14="http://schemas.microsoft.com/office/powerpoint/2010/main">
-    <mc:Choice Requires="p14">
-      <p:transition p14:dur="0"/>
-    </mc:Choice>
-    <mc:Fallback xmlns="">
-      <p:transition xmlns:p14="http://schemas.microsoft.com/office/powerpoint/2010/main"/>
-    </mc:Fallback>
-  </mc:AlternateContent>
-  <p:timing>
-    <p:tnLst>
-      <p:par>
-        <p:cTn xmlns:p14="http://schemas.microsoft.com/office/powerpoint/2010/main" id="1" dur="indefinite" restart="never" nodeType="tmRoot"/>
-      </p:par>
-    </p:tnLst>
-  </p:timing>
 </p:sld>
 </file>
 
